--- a/Lessons/learnSanskritSeries/LS-part1.pptx
+++ b/Lessons/learnSanskritSeries/LS-part1.pptx
@@ -17,16 +17,17 @@
     <p:sldId id="262" r:id="rId12"/>
     <p:sldId id="263" r:id="rId13"/>
     <p:sldId id="264" r:id="rId14"/>
+    <p:sldId id="265" r:id="rId15"/>
   </p:sldIdLst>
   <p:sldSz cy="5143500" cx="9144000"/>
   <p:notesSz cx="6858000" cy="9144000"/>
   <p:embeddedFontLst>
     <p:embeddedFont>
       <p:font typeface="Nunito"/>
-      <p:regular r:id="rId15"/>
-      <p:bold r:id="rId16"/>
-      <p:italic r:id="rId17"/>
-      <p:boldItalic r:id="rId18"/>
+      <p:regular r:id="rId16"/>
+      <p:bold r:id="rId17"/>
+      <p:italic r:id="rId18"/>
+      <p:boldItalic r:id="rId19"/>
     </p:embeddedFont>
   </p:embeddedFontLst>
   <p:defaultTextStyle>
@@ -802,12 +803,12 @@
 </p:notes>
 </file>
 
-<file path=ppt/notesSlides/notesSlide2.xml><?xml version="1.0" encoding="utf-8"?>
+<file path=ppt/notesSlides/notesSlide10.xml><?xml version="1.0" encoding="utf-8"?>
 <p:notes xmlns:a="http://schemas.openxmlformats.org/drawingml/2006/main" xmlns:r="http://schemas.openxmlformats.org/officeDocument/2006/relationships" xmlns:mc="http://schemas.openxmlformats.org/markup-compatibility/2006" xmlns:mv="urn:schemas-microsoft-com:mac:vml" xmlns:p="http://schemas.openxmlformats.org/presentationml/2006/main" xmlns:c="http://schemas.openxmlformats.org/drawingml/2006/chart" xmlns:dgm="http://schemas.openxmlformats.org/drawingml/2006/diagram" xmlns:o="urn:schemas-microsoft-com:office:office" xmlns:v="urn:schemas-microsoft-com:vml" xmlns:pvml="urn:schemas-microsoft-com:office:powerpoint" xmlns:com="http://schemas.openxmlformats.org/drawingml/2006/compatibility" xmlns:p14="http://schemas.microsoft.com/office/powerpoint/2010/main" xmlns:p15="http://schemas.microsoft.com/office/powerpoint/2012/main" xmlns:ahyp="http://schemas.microsoft.com/office/drawing/2018/hyperlinkcolor" showMasterPhAnim="0" showMasterSp="0">
   <p:cSld>
     <p:spTree>
       <p:nvGrpSpPr>
-        <p:cNvPr id="130" name="Shape 130"/>
+        <p:cNvPr id="223" name="Shape 223"/>
         <p:cNvGrpSpPr/>
         <p:nvPr/>
       </p:nvGrpSpPr>
@@ -821,7 +822,7 @@
       </p:grpSpPr>
       <p:sp>
         <p:nvSpPr>
-          <p:cNvPr id="131" name="Google Shape;131;g300f08ff5a0_0_0:notes"/>
+          <p:cNvPr id="224" name="Google Shape;224;g303b9648ae9_0_7:notes"/>
           <p:cNvSpPr/>
           <p:nvPr>
             <p:ph idx="2" type="sldImg"/>
@@ -856,7 +857,7 @@
       </p:sp>
       <p:sp>
         <p:nvSpPr>
-          <p:cNvPr id="132" name="Google Shape;132;g300f08ff5a0_0_0:notes"/>
+          <p:cNvPr id="225" name="Google Shape;225;g303b9648ae9_0_7:notes"/>
           <p:cNvSpPr txBox="1"/>
           <p:nvPr>
             <p:ph idx="1" type="body"/>
@@ -901,12 +902,12 @@
 </p:notes>
 </file>
 
-<file path=ppt/notesSlides/notesSlide3.xml><?xml version="1.0" encoding="utf-8"?>
+<file path=ppt/notesSlides/notesSlide2.xml><?xml version="1.0" encoding="utf-8"?>
 <p:notes xmlns:a="http://schemas.openxmlformats.org/drawingml/2006/main" xmlns:r="http://schemas.openxmlformats.org/officeDocument/2006/relationships" xmlns:mc="http://schemas.openxmlformats.org/markup-compatibility/2006" xmlns:mv="urn:schemas-microsoft-com:mac:vml" xmlns:p="http://schemas.openxmlformats.org/presentationml/2006/main" xmlns:c="http://schemas.openxmlformats.org/drawingml/2006/chart" xmlns:dgm="http://schemas.openxmlformats.org/drawingml/2006/diagram" xmlns:o="urn:schemas-microsoft-com:office:office" xmlns:v="urn:schemas-microsoft-com:vml" xmlns:pvml="urn:schemas-microsoft-com:office:powerpoint" xmlns:com="http://schemas.openxmlformats.org/drawingml/2006/compatibility" xmlns:p14="http://schemas.microsoft.com/office/powerpoint/2010/main" xmlns:p15="http://schemas.microsoft.com/office/powerpoint/2012/main" xmlns:ahyp="http://schemas.microsoft.com/office/drawing/2018/hyperlinkcolor" showMasterPhAnim="0" showMasterSp="0">
   <p:cSld>
     <p:spTree>
       <p:nvGrpSpPr>
-        <p:cNvPr id="136" name="Shape 136"/>
+        <p:cNvPr id="130" name="Shape 130"/>
         <p:cNvGrpSpPr/>
         <p:nvPr/>
       </p:nvGrpSpPr>
@@ -920,7 +921,7 @@
       </p:grpSpPr>
       <p:sp>
         <p:nvSpPr>
-          <p:cNvPr id="137" name="Google Shape;137;g300f08ff5a0_0_6:notes"/>
+          <p:cNvPr id="131" name="Google Shape;131;g3045093dede_0_0:notes"/>
           <p:cNvSpPr/>
           <p:nvPr>
             <p:ph idx="2" type="sldImg"/>
@@ -955,7 +956,7 @@
       </p:sp>
       <p:sp>
         <p:nvSpPr>
-          <p:cNvPr id="138" name="Google Shape;138;g300f08ff5a0_0_6:notes"/>
+          <p:cNvPr id="132" name="Google Shape;132;g3045093dede_0_0:notes"/>
           <p:cNvSpPr txBox="1"/>
           <p:nvPr>
             <p:ph idx="1" type="body"/>
@@ -1000,12 +1001,12 @@
 </p:notes>
 </file>
 
-<file path=ppt/notesSlides/notesSlide4.xml><?xml version="1.0" encoding="utf-8"?>
+<file path=ppt/notesSlides/notesSlide3.xml><?xml version="1.0" encoding="utf-8"?>
 <p:notes xmlns:a="http://schemas.openxmlformats.org/drawingml/2006/main" xmlns:r="http://schemas.openxmlformats.org/officeDocument/2006/relationships" xmlns:mc="http://schemas.openxmlformats.org/markup-compatibility/2006" xmlns:mv="urn:schemas-microsoft-com:mac:vml" xmlns:p="http://schemas.openxmlformats.org/presentationml/2006/main" xmlns:c="http://schemas.openxmlformats.org/drawingml/2006/chart" xmlns:dgm="http://schemas.openxmlformats.org/drawingml/2006/diagram" xmlns:o="urn:schemas-microsoft-com:office:office" xmlns:v="urn:schemas-microsoft-com:vml" xmlns:pvml="urn:schemas-microsoft-com:office:powerpoint" xmlns:com="http://schemas.openxmlformats.org/drawingml/2006/compatibility" xmlns:p14="http://schemas.microsoft.com/office/powerpoint/2010/main" xmlns:p15="http://schemas.microsoft.com/office/powerpoint/2012/main" xmlns:ahyp="http://schemas.microsoft.com/office/drawing/2018/hyperlinkcolor" showMasterPhAnim="0" showMasterSp="0">
   <p:cSld>
     <p:spTree>
       <p:nvGrpSpPr>
-        <p:cNvPr id="151" name="Shape 151"/>
+        <p:cNvPr id="137" name="Shape 137"/>
         <p:cNvGrpSpPr/>
         <p:nvPr/>
       </p:nvGrpSpPr>
@@ -1019,7 +1020,7 @@
       </p:grpSpPr>
       <p:sp>
         <p:nvSpPr>
-          <p:cNvPr id="152" name="Google Shape;152;g302b7060e5b_0_0:notes"/>
+          <p:cNvPr id="138" name="Google Shape;138;g300f08ff5a0_0_0:notes"/>
           <p:cNvSpPr/>
           <p:nvPr>
             <p:ph idx="2" type="sldImg"/>
@@ -1054,7 +1055,7 @@
       </p:sp>
       <p:sp>
         <p:nvSpPr>
-          <p:cNvPr id="153" name="Google Shape;153;g302b7060e5b_0_0:notes"/>
+          <p:cNvPr id="139" name="Google Shape;139;g300f08ff5a0_0_0:notes"/>
           <p:cNvSpPr txBox="1"/>
           <p:nvPr>
             <p:ph idx="1" type="body"/>
@@ -1099,12 +1100,12 @@
 </p:notes>
 </file>
 
-<file path=ppt/notesSlides/notesSlide5.xml><?xml version="1.0" encoding="utf-8"?>
+<file path=ppt/notesSlides/notesSlide4.xml><?xml version="1.0" encoding="utf-8"?>
 <p:notes xmlns:a="http://schemas.openxmlformats.org/drawingml/2006/main" xmlns:r="http://schemas.openxmlformats.org/officeDocument/2006/relationships" xmlns:mc="http://schemas.openxmlformats.org/markup-compatibility/2006" xmlns:mv="urn:schemas-microsoft-com:mac:vml" xmlns:p="http://schemas.openxmlformats.org/presentationml/2006/main" xmlns:c="http://schemas.openxmlformats.org/drawingml/2006/chart" xmlns:dgm="http://schemas.openxmlformats.org/drawingml/2006/diagram" xmlns:o="urn:schemas-microsoft-com:office:office" xmlns:v="urn:schemas-microsoft-com:vml" xmlns:pvml="urn:schemas-microsoft-com:office:powerpoint" xmlns:com="http://schemas.openxmlformats.org/drawingml/2006/compatibility" xmlns:p14="http://schemas.microsoft.com/office/powerpoint/2010/main" xmlns:p15="http://schemas.microsoft.com/office/powerpoint/2012/main" xmlns:ahyp="http://schemas.microsoft.com/office/drawing/2018/hyperlinkcolor" showMasterPhAnim="0" showMasterSp="0">
   <p:cSld>
     <p:spTree>
       <p:nvGrpSpPr>
-        <p:cNvPr id="166" name="Shape 166"/>
+        <p:cNvPr id="143" name="Shape 143"/>
         <p:cNvGrpSpPr/>
         <p:nvPr/>
       </p:nvGrpSpPr>
@@ -1118,7 +1119,7 @@
       </p:grpSpPr>
       <p:sp>
         <p:nvSpPr>
-          <p:cNvPr id="167" name="Google Shape;167;g302bb212a36_0_7:notes"/>
+          <p:cNvPr id="144" name="Google Shape;144;g300f08ff5a0_0_6:notes"/>
           <p:cNvSpPr/>
           <p:nvPr>
             <p:ph idx="2" type="sldImg"/>
@@ -1153,7 +1154,7 @@
       </p:sp>
       <p:sp>
         <p:nvSpPr>
-          <p:cNvPr id="168" name="Google Shape;168;g302bb212a36_0_7:notes"/>
+          <p:cNvPr id="145" name="Google Shape;145;g300f08ff5a0_0_6:notes"/>
           <p:cNvSpPr txBox="1"/>
           <p:nvPr>
             <p:ph idx="1" type="body"/>
@@ -1198,12 +1199,12 @@
 </p:notes>
 </file>
 
-<file path=ppt/notesSlides/notesSlide6.xml><?xml version="1.0" encoding="utf-8"?>
+<file path=ppt/notesSlides/notesSlide5.xml><?xml version="1.0" encoding="utf-8"?>
 <p:notes xmlns:a="http://schemas.openxmlformats.org/drawingml/2006/main" xmlns:r="http://schemas.openxmlformats.org/officeDocument/2006/relationships" xmlns:mc="http://schemas.openxmlformats.org/markup-compatibility/2006" xmlns:mv="urn:schemas-microsoft-com:mac:vml" xmlns:p="http://schemas.openxmlformats.org/presentationml/2006/main" xmlns:c="http://schemas.openxmlformats.org/drawingml/2006/chart" xmlns:dgm="http://schemas.openxmlformats.org/drawingml/2006/diagram" xmlns:o="urn:schemas-microsoft-com:office:office" xmlns:v="urn:schemas-microsoft-com:vml" xmlns:pvml="urn:schemas-microsoft-com:office:powerpoint" xmlns:com="http://schemas.openxmlformats.org/drawingml/2006/compatibility" xmlns:p14="http://schemas.microsoft.com/office/powerpoint/2010/main" xmlns:p15="http://schemas.microsoft.com/office/powerpoint/2012/main" xmlns:ahyp="http://schemas.microsoft.com/office/drawing/2018/hyperlinkcolor" showMasterPhAnim="0" showMasterSp="0">
   <p:cSld>
     <p:spTree>
       <p:nvGrpSpPr>
-        <p:cNvPr id="181" name="Shape 181"/>
+        <p:cNvPr id="158" name="Shape 158"/>
         <p:cNvGrpSpPr/>
         <p:nvPr/>
       </p:nvGrpSpPr>
@@ -1217,7 +1218,7 @@
       </p:grpSpPr>
       <p:sp>
         <p:nvSpPr>
-          <p:cNvPr id="182" name="Google Shape;182;g3032e6c04d5_0_0:notes"/>
+          <p:cNvPr id="159" name="Google Shape;159;g302b7060e5b_0_0:notes"/>
           <p:cNvSpPr/>
           <p:nvPr>
             <p:ph idx="2" type="sldImg"/>
@@ -1252,7 +1253,7 @@
       </p:sp>
       <p:sp>
         <p:nvSpPr>
-          <p:cNvPr id="183" name="Google Shape;183;g3032e6c04d5_0_0:notes"/>
+          <p:cNvPr id="160" name="Google Shape;160;g302b7060e5b_0_0:notes"/>
           <p:cNvSpPr txBox="1"/>
           <p:nvPr>
             <p:ph idx="1" type="body"/>
@@ -1297,12 +1298,12 @@
 </p:notes>
 </file>
 
-<file path=ppt/notesSlides/notesSlide7.xml><?xml version="1.0" encoding="utf-8"?>
+<file path=ppt/notesSlides/notesSlide6.xml><?xml version="1.0" encoding="utf-8"?>
 <p:notes xmlns:a="http://schemas.openxmlformats.org/drawingml/2006/main" xmlns:r="http://schemas.openxmlformats.org/officeDocument/2006/relationships" xmlns:mc="http://schemas.openxmlformats.org/markup-compatibility/2006" xmlns:mv="urn:schemas-microsoft-com:mac:vml" xmlns:p="http://schemas.openxmlformats.org/presentationml/2006/main" xmlns:c="http://schemas.openxmlformats.org/drawingml/2006/chart" xmlns:dgm="http://schemas.openxmlformats.org/drawingml/2006/diagram" xmlns:o="urn:schemas-microsoft-com:office:office" xmlns:v="urn:schemas-microsoft-com:vml" xmlns:pvml="urn:schemas-microsoft-com:office:powerpoint" xmlns:com="http://schemas.openxmlformats.org/drawingml/2006/compatibility" xmlns:p14="http://schemas.microsoft.com/office/powerpoint/2010/main" xmlns:p15="http://schemas.microsoft.com/office/powerpoint/2012/main" xmlns:ahyp="http://schemas.microsoft.com/office/drawing/2018/hyperlinkcolor" showMasterPhAnim="0" showMasterSp="0">
   <p:cSld>
     <p:spTree>
       <p:nvGrpSpPr>
-        <p:cNvPr id="195" name="Shape 195"/>
+        <p:cNvPr id="173" name="Shape 173"/>
         <p:cNvGrpSpPr/>
         <p:nvPr/>
       </p:nvGrpSpPr>
@@ -1316,7 +1317,7 @@
       </p:grpSpPr>
       <p:sp>
         <p:nvSpPr>
-          <p:cNvPr id="196" name="Google Shape;196;g3032e6c04d5_0_19:notes"/>
+          <p:cNvPr id="174" name="Google Shape;174;g302bb212a36_0_7:notes"/>
           <p:cNvSpPr/>
           <p:nvPr>
             <p:ph idx="2" type="sldImg"/>
@@ -1351,7 +1352,7 @@
       </p:sp>
       <p:sp>
         <p:nvSpPr>
-          <p:cNvPr id="197" name="Google Shape;197;g3032e6c04d5_0_19:notes"/>
+          <p:cNvPr id="175" name="Google Shape;175;g302bb212a36_0_7:notes"/>
           <p:cNvSpPr txBox="1"/>
           <p:nvPr>
             <p:ph idx="1" type="body"/>
@@ -1396,12 +1397,12 @@
 </p:notes>
 </file>
 
-<file path=ppt/notesSlides/notesSlide8.xml><?xml version="1.0" encoding="utf-8"?>
+<file path=ppt/notesSlides/notesSlide7.xml><?xml version="1.0" encoding="utf-8"?>
 <p:notes xmlns:a="http://schemas.openxmlformats.org/drawingml/2006/main" xmlns:r="http://schemas.openxmlformats.org/officeDocument/2006/relationships" xmlns:mc="http://schemas.openxmlformats.org/markup-compatibility/2006" xmlns:mv="urn:schemas-microsoft-com:mac:vml" xmlns:p="http://schemas.openxmlformats.org/presentationml/2006/main" xmlns:c="http://schemas.openxmlformats.org/drawingml/2006/chart" xmlns:dgm="http://schemas.openxmlformats.org/drawingml/2006/diagram" xmlns:o="urn:schemas-microsoft-com:office:office" xmlns:v="urn:schemas-microsoft-com:vml" xmlns:pvml="urn:schemas-microsoft-com:office:powerpoint" xmlns:com="http://schemas.openxmlformats.org/drawingml/2006/compatibility" xmlns:p14="http://schemas.microsoft.com/office/powerpoint/2010/main" xmlns:p15="http://schemas.microsoft.com/office/powerpoint/2012/main" xmlns:ahyp="http://schemas.microsoft.com/office/drawing/2018/hyperlinkcolor" showMasterPhAnim="0" showMasterSp="0">
   <p:cSld>
     <p:spTree>
       <p:nvGrpSpPr>
-        <p:cNvPr id="210" name="Shape 210"/>
+        <p:cNvPr id="188" name="Shape 188"/>
         <p:cNvGrpSpPr/>
         <p:nvPr/>
       </p:nvGrpSpPr>
@@ -1415,7 +1416,7 @@
       </p:grpSpPr>
       <p:sp>
         <p:nvSpPr>
-          <p:cNvPr id="211" name="Google Shape;211;g303b9648ae9_0_0:notes"/>
+          <p:cNvPr id="189" name="Google Shape;189;g3032e6c04d5_0_0:notes"/>
           <p:cNvSpPr/>
           <p:nvPr>
             <p:ph idx="2" type="sldImg"/>
@@ -1450,7 +1451,7 @@
       </p:sp>
       <p:sp>
         <p:nvSpPr>
-          <p:cNvPr id="212" name="Google Shape;212;g303b9648ae9_0_0:notes"/>
+          <p:cNvPr id="190" name="Google Shape;190;g3032e6c04d5_0_0:notes"/>
           <p:cNvSpPr txBox="1"/>
           <p:nvPr>
             <p:ph idx="1" type="body"/>
@@ -1495,12 +1496,12 @@
 </p:notes>
 </file>
 
-<file path=ppt/notesSlides/notesSlide9.xml><?xml version="1.0" encoding="utf-8"?>
+<file path=ppt/notesSlides/notesSlide8.xml><?xml version="1.0" encoding="utf-8"?>
 <p:notes xmlns:a="http://schemas.openxmlformats.org/drawingml/2006/main" xmlns:r="http://schemas.openxmlformats.org/officeDocument/2006/relationships" xmlns:mc="http://schemas.openxmlformats.org/markup-compatibility/2006" xmlns:mv="urn:schemas-microsoft-com:mac:vml" xmlns:p="http://schemas.openxmlformats.org/presentationml/2006/main" xmlns:c="http://schemas.openxmlformats.org/drawingml/2006/chart" xmlns:dgm="http://schemas.openxmlformats.org/drawingml/2006/diagram" xmlns:o="urn:schemas-microsoft-com:office:office" xmlns:v="urn:schemas-microsoft-com:vml" xmlns:pvml="urn:schemas-microsoft-com:office:powerpoint" xmlns:com="http://schemas.openxmlformats.org/drawingml/2006/compatibility" xmlns:p14="http://schemas.microsoft.com/office/powerpoint/2010/main" xmlns:p15="http://schemas.microsoft.com/office/powerpoint/2012/main" xmlns:ahyp="http://schemas.microsoft.com/office/drawing/2018/hyperlinkcolor" showMasterPhAnim="0" showMasterSp="0">
   <p:cSld>
     <p:spTree>
       <p:nvGrpSpPr>
-        <p:cNvPr id="216" name="Shape 216"/>
+        <p:cNvPr id="202" name="Shape 202"/>
         <p:cNvGrpSpPr/>
         <p:nvPr/>
       </p:nvGrpSpPr>
@@ -1514,7 +1515,7 @@
       </p:grpSpPr>
       <p:sp>
         <p:nvSpPr>
-          <p:cNvPr id="217" name="Google Shape;217;g303b9648ae9_0_7:notes"/>
+          <p:cNvPr id="203" name="Google Shape;203;g3032e6c04d5_0_19:notes"/>
           <p:cNvSpPr/>
           <p:nvPr>
             <p:ph idx="2" type="sldImg"/>
@@ -1549,7 +1550,106 @@
       </p:sp>
       <p:sp>
         <p:nvSpPr>
-          <p:cNvPr id="218" name="Google Shape;218;g303b9648ae9_0_7:notes"/>
+          <p:cNvPr id="204" name="Google Shape;204;g3032e6c04d5_0_19:notes"/>
+          <p:cNvSpPr txBox="1"/>
+          <p:nvPr>
+            <p:ph idx="1" type="body"/>
+          </p:nvPr>
+        </p:nvSpPr>
+        <p:spPr>
+          <a:xfrm>
+            <a:off x="685800" y="4343400"/>
+            <a:ext cx="5486400" cy="4114800"/>
+          </a:xfrm>
+          <a:prstGeom prst="rect">
+            <a:avLst/>
+          </a:prstGeom>
+        </p:spPr>
+        <p:txBody>
+          <a:bodyPr anchorCtr="0" anchor="t" bIns="91425" lIns="91425" spcFirstLastPara="1" rIns="91425" wrap="square" tIns="91425">
+            <a:noAutofit/>
+          </a:bodyPr>
+          <a:lstStyle/>
+          <a:p>
+            <a:pPr indent="0" lvl="0" marL="0" rtl="0" algn="l">
+              <a:spcBef>
+                <a:spcPts val="0"/>
+              </a:spcBef>
+              <a:spcAft>
+                <a:spcPts val="0"/>
+              </a:spcAft>
+              <a:buNone/>
+            </a:pPr>
+            <a:r>
+              <a:t/>
+            </a:r>
+            <a:endParaRPr/>
+          </a:p>
+        </p:txBody>
+      </p:sp>
+    </p:spTree>
+  </p:cSld>
+  <p:clrMapOvr>
+    <a:masterClrMapping/>
+  </p:clrMapOvr>
+</p:notes>
+</file>
+
+<file path=ppt/notesSlides/notesSlide9.xml><?xml version="1.0" encoding="utf-8"?>
+<p:notes xmlns:a="http://schemas.openxmlformats.org/drawingml/2006/main" xmlns:r="http://schemas.openxmlformats.org/officeDocument/2006/relationships" xmlns:mc="http://schemas.openxmlformats.org/markup-compatibility/2006" xmlns:mv="urn:schemas-microsoft-com:mac:vml" xmlns:p="http://schemas.openxmlformats.org/presentationml/2006/main" xmlns:c="http://schemas.openxmlformats.org/drawingml/2006/chart" xmlns:dgm="http://schemas.openxmlformats.org/drawingml/2006/diagram" xmlns:o="urn:schemas-microsoft-com:office:office" xmlns:v="urn:schemas-microsoft-com:vml" xmlns:pvml="urn:schemas-microsoft-com:office:powerpoint" xmlns:com="http://schemas.openxmlformats.org/drawingml/2006/compatibility" xmlns:p14="http://schemas.microsoft.com/office/powerpoint/2010/main" xmlns:p15="http://schemas.microsoft.com/office/powerpoint/2012/main" xmlns:ahyp="http://schemas.microsoft.com/office/drawing/2018/hyperlinkcolor" showMasterPhAnim="0" showMasterSp="0">
+  <p:cSld>
+    <p:spTree>
+      <p:nvGrpSpPr>
+        <p:cNvPr id="217" name="Shape 217"/>
+        <p:cNvGrpSpPr/>
+        <p:nvPr/>
+      </p:nvGrpSpPr>
+      <p:grpSpPr>
+        <a:xfrm>
+          <a:off x="0" y="0"/>
+          <a:ext cx="0" cy="0"/>
+          <a:chOff x="0" y="0"/>
+          <a:chExt cx="0" cy="0"/>
+        </a:xfrm>
+      </p:grpSpPr>
+      <p:sp>
+        <p:nvSpPr>
+          <p:cNvPr id="218" name="Google Shape;218;g303b9648ae9_0_0:notes"/>
+          <p:cNvSpPr/>
+          <p:nvPr>
+            <p:ph idx="2" type="sldImg"/>
+          </p:nvPr>
+        </p:nvSpPr>
+        <p:spPr>
+          <a:xfrm>
+            <a:off x="381300" y="685800"/>
+            <a:ext cx="6096000" cy="3429000"/>
+          </a:xfrm>
+          <a:custGeom>
+            <a:rect b="b" l="l" r="r" t="t"/>
+            <a:pathLst>
+              <a:path extrusionOk="0" h="120000" w="120000">
+                <a:moveTo>
+                  <a:pt x="0" y="0"/>
+                </a:moveTo>
+                <a:lnTo>
+                  <a:pt x="120000" y="0"/>
+                </a:lnTo>
+                <a:lnTo>
+                  <a:pt x="120000" y="120000"/>
+                </a:lnTo>
+                <a:lnTo>
+                  <a:pt x="0" y="120000"/>
+                </a:lnTo>
+                <a:close/>
+              </a:path>
+            </a:pathLst>
+          </a:custGeom>
+        </p:spPr>
+      </p:sp>
+      <p:sp>
+        <p:nvSpPr>
+          <p:cNvPr id="219" name="Google Shape;219;g303b9648ae9_0_0:notes"/>
           <p:cNvSpPr txBox="1"/>
           <p:nvPr>
             <p:ph idx="1" type="body"/>
@@ -9770,6 +9870,183 @@
 </p:sld>
 </file>
 
+<file path=ppt/slides/slide10.xml><?xml version="1.0" encoding="utf-8"?>
+<p:sld xmlns:a="http://schemas.openxmlformats.org/drawingml/2006/main" xmlns:r="http://schemas.openxmlformats.org/officeDocument/2006/relationships" xmlns:mc="http://schemas.openxmlformats.org/markup-compatibility/2006" xmlns:mv="urn:schemas-microsoft-com:mac:vml" xmlns:p="http://schemas.openxmlformats.org/presentationml/2006/main" xmlns:c="http://schemas.openxmlformats.org/drawingml/2006/chart" xmlns:dgm="http://schemas.openxmlformats.org/drawingml/2006/diagram" xmlns:o="urn:schemas-microsoft-com:office:office" xmlns:v="urn:schemas-microsoft-com:vml" xmlns:pvml="urn:schemas-microsoft-com:office:powerpoint" xmlns:com="http://schemas.openxmlformats.org/drawingml/2006/compatibility" xmlns:p14="http://schemas.microsoft.com/office/powerpoint/2010/main" xmlns:p15="http://schemas.microsoft.com/office/powerpoint/2012/main" xmlns:ahyp="http://schemas.microsoft.com/office/drawing/2018/hyperlinkcolor">
+  <p:cSld>
+    <p:spTree>
+      <p:nvGrpSpPr>
+        <p:cNvPr id="226" name="Shape 226"/>
+        <p:cNvGrpSpPr/>
+        <p:nvPr/>
+      </p:nvGrpSpPr>
+      <p:grpSpPr>
+        <a:xfrm>
+          <a:off x="0" y="0"/>
+          <a:ext cx="0" cy="0"/>
+          <a:chOff x="0" y="0"/>
+          <a:chExt cx="0" cy="0"/>
+        </a:xfrm>
+      </p:grpSpPr>
+      <p:sp>
+        <p:nvSpPr>
+          <p:cNvPr id="227" name="Google Shape;227;p22"/>
+          <p:cNvSpPr txBox="1"/>
+          <p:nvPr>
+            <p:ph type="title"/>
+          </p:nvPr>
+        </p:nvSpPr>
+        <p:spPr>
+          <a:xfrm>
+            <a:off x="819150" y="845600"/>
+            <a:ext cx="7505700" cy="954600"/>
+          </a:xfrm>
+          <a:prstGeom prst="rect">
+            <a:avLst/>
+          </a:prstGeom>
+        </p:spPr>
+        <p:txBody>
+          <a:bodyPr anchorCtr="0" anchor="t" bIns="91425" lIns="91425" spcFirstLastPara="1" rIns="91425" wrap="square" tIns="91425">
+            <a:normAutofit fontScale="90000"/>
+          </a:bodyPr>
+          <a:lstStyle/>
+          <a:p>
+            <a:pPr indent="0" lvl="0" marL="0" rtl="0" algn="l">
+              <a:spcBef>
+                <a:spcPts val="0"/>
+              </a:spcBef>
+              <a:spcAft>
+                <a:spcPts val="0"/>
+              </a:spcAft>
+              <a:buNone/>
+            </a:pPr>
+            <a:r>
+              <a:rPr lang="en"/>
+              <a:t>చిట్కా: బొమ్మల ద్వారా, అభినయంద్వారా, వ్యక్తీకరణద్వారా, సంస్కృత భాషను నేర్చుకోండి  </a:t>
+            </a:r>
+            <a:endParaRPr/>
+          </a:p>
+        </p:txBody>
+      </p:sp>
+      <p:sp>
+        <p:nvSpPr>
+          <p:cNvPr id="228" name="Google Shape;228;p22"/>
+          <p:cNvSpPr/>
+          <p:nvPr/>
+        </p:nvSpPr>
+        <p:spPr>
+          <a:xfrm>
+            <a:off x="819150" y="1990725"/>
+            <a:ext cx="7450371" cy="1218601"/>
+          </a:xfrm>
+          <a:prstGeom prst="rect">
+            <a:avLst/>
+          </a:prstGeom>
+        </p:spPr>
+        <p:txBody>
+          <a:bodyPr>
+            <a:prstTxWarp prst="textPlain"/>
+          </a:bodyPr>
+          <a:lstStyle/>
+          <a:p>
+            <a:pPr lvl="0" algn="ctr"/>
+            <a:r>
+              <a:rPr b="0" i="0">
+                <a:ln cap="flat" cmpd="sng" w="9525">
+                  <a:solidFill>
+                    <a:schemeClr val="dk2"/>
+                  </a:solidFill>
+                  <a:prstDash val="solid"/>
+                  <a:round/>
+                  <a:headEnd len="sm" w="sm" type="none"/>
+                  <a:tailEnd len="sm" w="sm" type="none"/>
+                </a:ln>
+                <a:gradFill>
+                  <a:gsLst>
+                    <a:gs pos="0">
+                      <a:srgbClr val="F5D0D0"/>
+                    </a:gs>
+                    <a:gs pos="100000">
+                      <a:srgbClr val="D96868"/>
+                    </a:gs>
+                  </a:gsLst>
+                  <a:path path="circle">
+                    <a:fillToRect b="50%" l="50%" r="50%" t="50%"/>
+                  </a:path>
+                  <a:tileRect/>
+                </a:gradFill>
+                <a:latin typeface="Arial"/>
+              </a:rPr>
+              <a:t>धन्यवाद:</a:t>
+            </a:r>
+          </a:p>
+        </p:txBody>
+      </p:sp>
+      <p:sp>
+        <p:nvSpPr>
+          <p:cNvPr id="229" name="Google Shape;229;p22"/>
+          <p:cNvSpPr txBox="1"/>
+          <p:nvPr/>
+        </p:nvSpPr>
+        <p:spPr>
+          <a:xfrm>
+            <a:off x="213725" y="4514050"/>
+            <a:ext cx="6775800" cy="384900"/>
+          </a:xfrm>
+          <a:prstGeom prst="rect">
+            <a:avLst/>
+          </a:prstGeom>
+          <a:noFill/>
+          <a:ln>
+            <a:noFill/>
+          </a:ln>
+        </p:spPr>
+        <p:txBody>
+          <a:bodyPr anchorCtr="0" anchor="t" bIns="91425" lIns="91425" spcFirstLastPara="1" rIns="91425" wrap="square" tIns="91425">
+            <a:spAutoFit/>
+          </a:bodyPr>
+          <a:lstStyle/>
+          <a:p>
+            <a:pPr indent="0" lvl="0" marL="0" rtl="0" algn="l">
+              <a:spcBef>
+                <a:spcPts val="0"/>
+              </a:spcBef>
+              <a:spcAft>
+                <a:spcPts val="0"/>
+              </a:spcAft>
+              <a:buNone/>
+            </a:pPr>
+            <a:r>
+              <a:rPr lang="en" sz="1300">
+                <a:solidFill>
+                  <a:schemeClr val="dk2"/>
+                </a:solidFill>
+                <a:latin typeface="Calibri"/>
+                <a:ea typeface="Calibri"/>
+                <a:cs typeface="Calibri"/>
+                <a:sym typeface="Calibri"/>
+              </a:rPr>
+              <a:t>Picture source: PixaBay and pexels. Content Source: Abhyasapustakam, SamskritaBharati</a:t>
+            </a:r>
+            <a:endParaRPr sz="1300">
+              <a:solidFill>
+                <a:schemeClr val="dk2"/>
+              </a:solidFill>
+              <a:latin typeface="Calibri"/>
+              <a:ea typeface="Calibri"/>
+              <a:cs typeface="Calibri"/>
+              <a:sym typeface="Calibri"/>
+            </a:endParaRPr>
+          </a:p>
+        </p:txBody>
+      </p:sp>
+    </p:spTree>
+  </p:cSld>
+  <p:clrMapOvr>
+    <a:masterClrMapping/>
+  </p:clrMapOvr>
+</p:sld>
+</file>
+
 <file path=ppt/slides/slide2.xml><?xml version="1.0" encoding="utf-8"?>
 <p:sld xmlns:a="http://schemas.openxmlformats.org/drawingml/2006/main" xmlns:r="http://schemas.openxmlformats.org/officeDocument/2006/relationships" xmlns:mc="http://schemas.openxmlformats.org/markup-compatibility/2006" xmlns:mv="urn:schemas-microsoft-com:mac:vml" xmlns:p="http://schemas.openxmlformats.org/presentationml/2006/main" xmlns:c="http://schemas.openxmlformats.org/drawingml/2006/chart" xmlns:dgm="http://schemas.openxmlformats.org/drawingml/2006/diagram" xmlns:o="urn:schemas-microsoft-com:office:office" xmlns:v="urn:schemas-microsoft-com:vml" xmlns:pvml="urn:schemas-microsoft-com:office:powerpoint" xmlns:com="http://schemas.openxmlformats.org/drawingml/2006/compatibility" xmlns:p14="http://schemas.microsoft.com/office/powerpoint/2010/main" xmlns:p15="http://schemas.microsoft.com/office/powerpoint/2012/main" xmlns:ahyp="http://schemas.microsoft.com/office/drawing/2018/hyperlinkcolor">
   <p:cSld>
@@ -9790,6 +10067,346 @@
       <p:sp>
         <p:nvSpPr>
           <p:cNvPr id="134" name="Google Shape;134;p14"/>
+          <p:cNvSpPr/>
+          <p:nvPr/>
+        </p:nvSpPr>
+        <p:spPr>
+          <a:xfrm>
+            <a:off x="315550" y="1824876"/>
+            <a:ext cx="7946418" cy="1092123"/>
+          </a:xfrm>
+          <a:prstGeom prst="rect">
+            <a:avLst/>
+          </a:prstGeom>
+        </p:spPr>
+        <p:txBody>
+          <a:bodyPr>
+            <a:prstTxWarp prst="textPlain"/>
+          </a:bodyPr>
+          <a:lstStyle/>
+          <a:p>
+            <a:pPr lvl="0" algn="ctr"/>
+            <a:r>
+              <a:rPr b="0" i="0">
+                <a:ln cap="flat" cmpd="sng" w="9525">
+                  <a:solidFill>
+                    <a:schemeClr val="dk2"/>
+                  </a:solidFill>
+                  <a:prstDash val="solid"/>
+                  <a:round/>
+                  <a:headEnd len="sm" w="sm" type="none"/>
+                  <a:tailEnd len="sm" w="sm" type="none"/>
+                </a:ln>
+                <a:gradFill>
+                  <a:gsLst>
+                    <a:gs pos="0">
+                      <a:srgbClr val="FFC102"/>
+                    </a:gs>
+                    <a:gs pos="100000">
+                      <a:srgbClr val="795C04"/>
+                    </a:gs>
+                  </a:gsLst>
+                  <a:lin ang="5400012" scaled="0"/>
+                </a:gradFill>
+                <a:latin typeface="Arial"/>
+              </a:rPr>
+              <a:t>सरस्वती नमस्तुभ्यं वरदे कामरूपिणि |  </a:t>
+            </a:r>
+            <a:br>
+              <a:rPr b="0" i="0">
+                <a:ln cap="flat" cmpd="sng" w="9525">
+                  <a:solidFill>
+                    <a:schemeClr val="dk2"/>
+                  </a:solidFill>
+                  <a:prstDash val="solid"/>
+                  <a:round/>
+                  <a:headEnd len="sm" w="sm" type="none"/>
+                  <a:tailEnd len="sm" w="sm" type="none"/>
+                </a:ln>
+                <a:gradFill>
+                  <a:gsLst>
+                    <a:gs pos="0">
+                      <a:srgbClr val="FFC102"/>
+                    </a:gs>
+                    <a:gs pos="100000">
+                      <a:srgbClr val="795C04"/>
+                    </a:gs>
+                  </a:gsLst>
+                  <a:lin ang="5400012" scaled="0"/>
+                </a:gradFill>
+                <a:latin typeface="Arial"/>
+              </a:rPr>
+            </a:br>
+            <a:r>
+              <a:rPr b="0" i="0">
+                <a:ln cap="flat" cmpd="sng" w="9525">
+                  <a:solidFill>
+                    <a:schemeClr val="dk2"/>
+                  </a:solidFill>
+                  <a:prstDash val="solid"/>
+                  <a:round/>
+                  <a:headEnd len="sm" w="sm" type="none"/>
+                  <a:tailEnd len="sm" w="sm" type="none"/>
+                </a:ln>
+                <a:gradFill>
+                  <a:gsLst>
+                    <a:gs pos="0">
+                      <a:srgbClr val="FFC102"/>
+                    </a:gs>
+                    <a:gs pos="100000">
+                      <a:srgbClr val="795C04"/>
+                    </a:gs>
+                  </a:gsLst>
+                  <a:lin ang="5400012" scaled="0"/>
+                </a:gradFill>
+                <a:latin typeface="Arial"/>
+              </a:rPr>
+              <a:t>विद्यारम्भं करिष्यामि सिध्दिर्भवतु मे सदा ||</a:t>
+            </a:r>
+          </a:p>
+        </p:txBody>
+      </p:sp>
+      <p:sp>
+        <p:nvSpPr>
+          <p:cNvPr id="135" name="Google Shape;135;p14"/>
+          <p:cNvSpPr/>
+          <p:nvPr/>
+        </p:nvSpPr>
+        <p:spPr>
+          <a:xfrm>
+            <a:off x="1239825" y="2846526"/>
+            <a:ext cx="7605309" cy="1092123"/>
+          </a:xfrm>
+          <a:prstGeom prst="rect">
+            <a:avLst/>
+          </a:prstGeom>
+        </p:spPr>
+        <p:txBody>
+          <a:bodyPr>
+            <a:prstTxWarp prst="textPlain"/>
+          </a:bodyPr>
+          <a:lstStyle/>
+          <a:p>
+            <a:pPr lvl="0" algn="ctr"/>
+            <a:r>
+              <a:rPr b="0" i="0">
+                <a:ln cap="flat" cmpd="sng" w="9525">
+                  <a:solidFill>
+                    <a:schemeClr val="dk2"/>
+                  </a:solidFill>
+                  <a:prstDash val="solid"/>
+                  <a:round/>
+                  <a:headEnd len="sm" w="sm" type="none"/>
+                  <a:tailEnd len="sm" w="sm" type="none"/>
+                </a:ln>
+                <a:gradFill>
+                  <a:gsLst>
+                    <a:gs pos="0">
+                      <a:srgbClr val="DB0000"/>
+                    </a:gs>
+                    <a:gs pos="100000">
+                      <a:srgbClr val="540303"/>
+                    </a:gs>
+                  </a:gsLst>
+                  <a:lin ang="5400012" scaled="0"/>
+                </a:gradFill>
+                <a:latin typeface="Arial"/>
+              </a:rPr>
+              <a:t>गुरुर्ब्रह्मा गुरुर्विष्णुः गुरुर्देवो महेश्वरः ।</a:t>
+            </a:r>
+            <a:br>
+              <a:rPr b="0" i="0">
+                <a:ln cap="flat" cmpd="sng" w="9525">
+                  <a:solidFill>
+                    <a:schemeClr val="dk2"/>
+                  </a:solidFill>
+                  <a:prstDash val="solid"/>
+                  <a:round/>
+                  <a:headEnd len="sm" w="sm" type="none"/>
+                  <a:tailEnd len="sm" w="sm" type="none"/>
+                </a:ln>
+                <a:gradFill>
+                  <a:gsLst>
+                    <a:gs pos="0">
+                      <a:srgbClr val="DB0000"/>
+                    </a:gs>
+                    <a:gs pos="100000">
+                      <a:srgbClr val="540303"/>
+                    </a:gs>
+                  </a:gsLst>
+                  <a:lin ang="5400012" scaled="0"/>
+                </a:gradFill>
+                <a:latin typeface="Arial"/>
+              </a:rPr>
+            </a:br>
+            <a:r>
+              <a:rPr b="0" i="0">
+                <a:ln cap="flat" cmpd="sng" w="9525">
+                  <a:solidFill>
+                    <a:schemeClr val="dk2"/>
+                  </a:solidFill>
+                  <a:prstDash val="solid"/>
+                  <a:round/>
+                  <a:headEnd len="sm" w="sm" type="none"/>
+                  <a:tailEnd len="sm" w="sm" type="none"/>
+                </a:ln>
+                <a:gradFill>
+                  <a:gsLst>
+                    <a:gs pos="0">
+                      <a:srgbClr val="DB0000"/>
+                    </a:gs>
+                    <a:gs pos="100000">
+                      <a:srgbClr val="540303"/>
+                    </a:gs>
+                  </a:gsLst>
+                  <a:lin ang="5400012" scaled="0"/>
+                </a:gradFill>
+                <a:latin typeface="Arial"/>
+              </a:rPr>
+              <a:t>गुरुः साक्षात् परब्रह्म तस्मै श्री गुरवे नम: ॥</a:t>
+            </a:r>
+          </a:p>
+        </p:txBody>
+      </p:sp>
+      <p:sp>
+        <p:nvSpPr>
+          <p:cNvPr id="136" name="Google Shape;136;p14"/>
+          <p:cNvSpPr/>
+          <p:nvPr/>
+        </p:nvSpPr>
+        <p:spPr>
+          <a:xfrm>
+            <a:off x="2139925" y="864275"/>
+            <a:ext cx="6705211" cy="960598"/>
+          </a:xfrm>
+          <a:prstGeom prst="rect">
+            <a:avLst/>
+          </a:prstGeom>
+        </p:spPr>
+        <p:txBody>
+          <a:bodyPr>
+            <a:prstTxWarp prst="textPlain"/>
+          </a:bodyPr>
+          <a:lstStyle/>
+          <a:p>
+            <a:pPr lvl="0" algn="ctr"/>
+            <a:r>
+              <a:rPr b="0" i="0">
+                <a:ln cap="flat" cmpd="sng" w="9525">
+                  <a:solidFill>
+                    <a:schemeClr val="dk2"/>
+                  </a:solidFill>
+                  <a:prstDash val="solid"/>
+                  <a:round/>
+                  <a:headEnd len="sm" w="sm" type="none"/>
+                  <a:tailEnd len="sm" w="sm" type="none"/>
+                </a:ln>
+                <a:gradFill>
+                  <a:gsLst>
+                    <a:gs pos="0">
+                      <a:srgbClr val="51AB2A"/>
+                    </a:gs>
+                    <a:gs pos="100000">
+                      <a:srgbClr val="203E13"/>
+                    </a:gs>
+                  </a:gsLst>
+                  <a:path path="circle">
+                    <a:fillToRect b="50%" l="50%" r="50%" t="50%"/>
+                  </a:path>
+                  <a:tileRect/>
+                </a:gradFill>
+                <a:latin typeface="Arial"/>
+              </a:rPr>
+              <a:t>वक्रतुण्ड महाकाय सूर्यकोटि समप्रभ |</a:t>
+            </a:r>
+            <a:br>
+              <a:rPr b="0" i="0">
+                <a:ln cap="flat" cmpd="sng" w="9525">
+                  <a:solidFill>
+                    <a:schemeClr val="dk2"/>
+                  </a:solidFill>
+                  <a:prstDash val="solid"/>
+                  <a:round/>
+                  <a:headEnd len="sm" w="sm" type="none"/>
+                  <a:tailEnd len="sm" w="sm" type="none"/>
+                </a:ln>
+                <a:gradFill>
+                  <a:gsLst>
+                    <a:gs pos="0">
+                      <a:srgbClr val="51AB2A"/>
+                    </a:gs>
+                    <a:gs pos="100000">
+                      <a:srgbClr val="203E13"/>
+                    </a:gs>
+                  </a:gsLst>
+                  <a:path path="circle">
+                    <a:fillToRect b="50%" l="50%" r="50%" t="50%"/>
+                  </a:path>
+                  <a:tileRect/>
+                </a:gradFill>
+                <a:latin typeface="Arial"/>
+              </a:rPr>
+            </a:br>
+            <a:r>
+              <a:rPr b="0" i="0">
+                <a:ln cap="flat" cmpd="sng" w="9525">
+                  <a:solidFill>
+                    <a:schemeClr val="dk2"/>
+                  </a:solidFill>
+                  <a:prstDash val="solid"/>
+                  <a:round/>
+                  <a:headEnd len="sm" w="sm" type="none"/>
+                  <a:tailEnd len="sm" w="sm" type="none"/>
+                </a:ln>
+                <a:gradFill>
+                  <a:gsLst>
+                    <a:gs pos="0">
+                      <a:srgbClr val="51AB2A"/>
+                    </a:gs>
+                    <a:gs pos="100000">
+                      <a:srgbClr val="203E13"/>
+                    </a:gs>
+                  </a:gsLst>
+                  <a:path path="circle">
+                    <a:fillToRect b="50%" l="50%" r="50%" t="50%"/>
+                  </a:path>
+                  <a:tileRect/>
+                </a:gradFill>
+                <a:latin typeface="Arial"/>
+              </a:rPr>
+              <a:t>निर्विघ्नं कुरु मे देव सर्वकार्येषु सर्वदा ||</a:t>
+            </a:r>
+          </a:p>
+        </p:txBody>
+      </p:sp>
+    </p:spTree>
+  </p:cSld>
+  <p:clrMapOvr>
+    <a:masterClrMapping/>
+  </p:clrMapOvr>
+</p:sld>
+</file>
+
+<file path=ppt/slides/slide3.xml><?xml version="1.0" encoding="utf-8"?>
+<p:sld xmlns:a="http://schemas.openxmlformats.org/drawingml/2006/main" xmlns:r="http://schemas.openxmlformats.org/officeDocument/2006/relationships" xmlns:mc="http://schemas.openxmlformats.org/markup-compatibility/2006" xmlns:mv="urn:schemas-microsoft-com:mac:vml" xmlns:p="http://schemas.openxmlformats.org/presentationml/2006/main" xmlns:c="http://schemas.openxmlformats.org/drawingml/2006/chart" xmlns:dgm="http://schemas.openxmlformats.org/drawingml/2006/diagram" xmlns:o="urn:schemas-microsoft-com:office:office" xmlns:v="urn:schemas-microsoft-com:vml" xmlns:pvml="urn:schemas-microsoft-com:office:powerpoint" xmlns:com="http://schemas.openxmlformats.org/drawingml/2006/compatibility" xmlns:p14="http://schemas.microsoft.com/office/powerpoint/2010/main" xmlns:p15="http://schemas.microsoft.com/office/powerpoint/2012/main" xmlns:ahyp="http://schemas.microsoft.com/office/drawing/2018/hyperlinkcolor">
+  <p:cSld>
+    <p:spTree>
+      <p:nvGrpSpPr>
+        <p:cNvPr id="140" name="Shape 140"/>
+        <p:cNvGrpSpPr/>
+        <p:nvPr/>
+      </p:nvGrpSpPr>
+      <p:grpSpPr>
+        <a:xfrm>
+          <a:off x="0" y="0"/>
+          <a:ext cx="0" cy="0"/>
+          <a:chOff x="0" y="0"/>
+          <a:chExt cx="0" cy="0"/>
+        </a:xfrm>
+      </p:grpSpPr>
+      <p:sp>
+        <p:nvSpPr>
+          <p:cNvPr id="141" name="Google Shape;141;p15"/>
           <p:cNvSpPr txBox="1"/>
           <p:nvPr>
             <p:ph type="title"/>
@@ -9829,7 +10446,7 @@
       </p:sp>
       <p:sp>
         <p:nvSpPr>
-          <p:cNvPr id="135" name="Google Shape;135;p14"/>
+          <p:cNvPr id="142" name="Google Shape;142;p15"/>
           <p:cNvSpPr txBox="1"/>
           <p:nvPr>
             <p:ph idx="1" type="body"/>
@@ -9986,12 +10603,12 @@
 </p:sld>
 </file>
 
-<file path=ppt/slides/slide3.xml><?xml version="1.0" encoding="utf-8"?>
+<file path=ppt/slides/slide4.xml><?xml version="1.0" encoding="utf-8"?>
 <p:sld xmlns:a="http://schemas.openxmlformats.org/drawingml/2006/main" xmlns:r="http://schemas.openxmlformats.org/officeDocument/2006/relationships" xmlns:mc="http://schemas.openxmlformats.org/markup-compatibility/2006" xmlns:mv="urn:schemas-microsoft-com:mac:vml" xmlns:p="http://schemas.openxmlformats.org/presentationml/2006/main" xmlns:c="http://schemas.openxmlformats.org/drawingml/2006/chart" xmlns:dgm="http://schemas.openxmlformats.org/drawingml/2006/diagram" xmlns:o="urn:schemas-microsoft-com:office:office" xmlns:v="urn:schemas-microsoft-com:vml" xmlns:pvml="urn:schemas-microsoft-com:office:powerpoint" xmlns:com="http://schemas.openxmlformats.org/drawingml/2006/compatibility" xmlns:p14="http://schemas.microsoft.com/office/powerpoint/2010/main" xmlns:p15="http://schemas.microsoft.com/office/powerpoint/2012/main" xmlns:ahyp="http://schemas.microsoft.com/office/drawing/2018/hyperlinkcolor">
   <p:cSld>
     <p:spTree>
       <p:nvGrpSpPr>
-        <p:cNvPr id="139" name="Shape 139"/>
+        <p:cNvPr id="146" name="Shape 146"/>
         <p:cNvGrpSpPr/>
         <p:nvPr/>
       </p:nvGrpSpPr>
@@ -10005,7 +10622,7 @@
       </p:grpSpPr>
       <p:sp>
         <p:nvSpPr>
-          <p:cNvPr id="140" name="Google Shape;140;p15"/>
+          <p:cNvPr id="147" name="Google Shape;147;p16"/>
           <p:cNvSpPr txBox="1"/>
           <p:nvPr>
             <p:ph idx="1" type="body"/>
@@ -10044,7 +10661,7 @@
       </p:sp>
       <p:pic>
         <p:nvPicPr>
-          <p:cNvPr id="141" name="Google Shape;141;p15"/>
+          <p:cNvPr id="148" name="Google Shape;148;p16"/>
           <p:cNvPicPr preferRelativeResize="0"/>
           <p:nvPr/>
         </p:nvPicPr>
@@ -10072,7 +10689,7 @@
       </p:pic>
       <p:pic>
         <p:nvPicPr>
-          <p:cNvPr id="142" name="Google Shape;142;p15"/>
+          <p:cNvPr id="149" name="Google Shape;149;p16"/>
           <p:cNvPicPr preferRelativeResize="0"/>
           <p:nvPr/>
         </p:nvPicPr>
@@ -10100,7 +10717,7 @@
       </p:pic>
       <p:pic>
         <p:nvPicPr>
-          <p:cNvPr id="143" name="Google Shape;143;p15"/>
+          <p:cNvPr id="150" name="Google Shape;150;p16"/>
           <p:cNvPicPr preferRelativeResize="0"/>
           <p:nvPr/>
         </p:nvPicPr>
@@ -10128,7 +10745,7 @@
       </p:pic>
       <p:pic>
         <p:nvPicPr>
-          <p:cNvPr id="144" name="Google Shape;144;p15"/>
+          <p:cNvPr id="151" name="Google Shape;151;p16"/>
           <p:cNvPicPr preferRelativeResize="0"/>
           <p:nvPr/>
         </p:nvPicPr>
@@ -10156,7 +10773,7 @@
       </p:pic>
       <p:pic>
         <p:nvPicPr>
-          <p:cNvPr id="145" name="Google Shape;145;p15"/>
+          <p:cNvPr id="152" name="Google Shape;152;p16"/>
           <p:cNvPicPr preferRelativeResize="0"/>
           <p:nvPr/>
         </p:nvPicPr>
@@ -10183,7 +10800,7 @@
       </p:pic>
       <p:sp>
         <p:nvSpPr>
-          <p:cNvPr id="146" name="Google Shape;146;p15"/>
+          <p:cNvPr id="153" name="Google Shape;153;p16"/>
           <p:cNvSpPr/>
           <p:nvPr/>
         </p:nvSpPr>
@@ -10226,7 +10843,7 @@
       </p:sp>
       <p:sp>
         <p:nvSpPr>
-          <p:cNvPr id="147" name="Google Shape;147;p15"/>
+          <p:cNvPr id="154" name="Google Shape;154;p16"/>
           <p:cNvSpPr/>
           <p:nvPr/>
         </p:nvSpPr>
@@ -10280,7 +10897,7 @@
       </p:sp>
       <p:sp>
         <p:nvSpPr>
-          <p:cNvPr id="148" name="Google Shape;148;p15"/>
+          <p:cNvPr id="155" name="Google Shape;155;p16"/>
           <p:cNvSpPr/>
           <p:nvPr/>
         </p:nvSpPr>
@@ -10334,7 +10951,7 @@
       </p:sp>
       <p:sp>
         <p:nvSpPr>
-          <p:cNvPr id="149" name="Google Shape;149;p15"/>
+          <p:cNvPr id="156" name="Google Shape;156;p16"/>
           <p:cNvSpPr/>
           <p:nvPr/>
         </p:nvSpPr>
@@ -10388,7 +11005,7 @@
       </p:sp>
       <p:sp>
         <p:nvSpPr>
-          <p:cNvPr id="150" name="Google Shape;150;p15"/>
+          <p:cNvPr id="157" name="Google Shape;157;p16"/>
           <p:cNvSpPr/>
           <p:nvPr/>
         </p:nvSpPr>
@@ -10476,7 +11093,7 @@
                                           </p:stCondLst>
                                         </p:cTn>
                                         <p:tgtEl>
-                                          <p:spTgt spid="141"/>
+                                          <p:spTgt spid="148"/>
                                         </p:tgtEl>
                                         <p:attrNameLst>
                                           <p:attrName>style.visibility</p:attrName>
@@ -10490,7 +11107,7 @@
                                       <p:cBhvr additive="base">
                                         <p:cTn dur="1000"/>
                                         <p:tgtEl>
-                                          <p:spTgt spid="141"/>
+                                          <p:spTgt spid="148"/>
                                         </p:tgtEl>
                                         <p:attrNameLst>
                                           <p:attrName>ppt_w</p:attrName>
@@ -10513,7 +11130,7 @@
                                       <p:cBhvr additive="base">
                                         <p:cTn dur="1000"/>
                                         <p:tgtEl>
-                                          <p:spTgt spid="141"/>
+                                          <p:spTgt spid="148"/>
                                         </p:tgtEl>
                                         <p:attrNameLst>
                                           <p:attrName>ppt_h</p:attrName>
@@ -10567,7 +11184,7 @@
                                           </p:stCondLst>
                                         </p:cTn>
                                         <p:tgtEl>
-                                          <p:spTgt spid="146"/>
+                                          <p:spTgt spid="153"/>
                                         </p:tgtEl>
                                         <p:attrNameLst>
                                           <p:attrName>style.visibility</p:attrName>
@@ -10581,7 +11198,7 @@
                                       <p:cBhvr>
                                         <p:cTn dur="1000"/>
                                         <p:tgtEl>
-                                          <p:spTgt spid="146"/>
+                                          <p:spTgt spid="153"/>
                                         </p:tgtEl>
                                       </p:cBhvr>
                                     </p:animEffect>
@@ -10620,7 +11237,7 @@
                                           </p:stCondLst>
                                         </p:cTn>
                                         <p:tgtEl>
-                                          <p:spTgt spid="143"/>
+                                          <p:spTgt spid="150"/>
                                         </p:tgtEl>
                                         <p:attrNameLst>
                                           <p:attrName>style.visibility</p:attrName>
@@ -10634,7 +11251,7 @@
                                       <p:cBhvr additive="base">
                                         <p:cTn dur="1600"/>
                                         <p:tgtEl>
-                                          <p:spTgt spid="143"/>
+                                          <p:spTgt spid="150"/>
                                         </p:tgtEl>
                                         <p:attrNameLst>
                                           <p:attrName>ppt_w</p:attrName>
@@ -10657,7 +11274,7 @@
                                       <p:cBhvr additive="base">
                                         <p:cTn dur="1600"/>
                                         <p:tgtEl>
-                                          <p:spTgt spid="143"/>
+                                          <p:spTgt spid="150"/>
                                         </p:tgtEl>
                                         <p:attrNameLst>
                                           <p:attrName>ppt_h</p:attrName>
@@ -10711,7 +11328,7 @@
                                           </p:stCondLst>
                                         </p:cTn>
                                         <p:tgtEl>
-                                          <p:spTgt spid="148"/>
+                                          <p:spTgt spid="155"/>
                                         </p:tgtEl>
                                         <p:attrNameLst>
                                           <p:attrName>style.visibility</p:attrName>
@@ -10725,7 +11342,7 @@
                                       <p:cBhvr>
                                         <p:cTn dur="1800"/>
                                         <p:tgtEl>
-                                          <p:spTgt spid="148"/>
+                                          <p:spTgt spid="155"/>
                                         </p:tgtEl>
                                       </p:cBhvr>
                                     </p:animEffect>
@@ -10764,7 +11381,7 @@
                                           </p:stCondLst>
                                         </p:cTn>
                                         <p:tgtEl>
-                                          <p:spTgt spid="142"/>
+                                          <p:spTgt spid="149"/>
                                         </p:tgtEl>
                                         <p:attrNameLst>
                                           <p:attrName>style.visibility</p:attrName>
@@ -10778,7 +11395,7 @@
                                       <p:cBhvr additive="base">
                                         <p:cTn dur="1400"/>
                                         <p:tgtEl>
-                                          <p:spTgt spid="142"/>
+                                          <p:spTgt spid="149"/>
                                         </p:tgtEl>
                                         <p:attrNameLst>
                                           <p:attrName>ppt_w</p:attrName>
@@ -10801,7 +11418,7 @@
                                       <p:cBhvr additive="base">
                                         <p:cTn dur="1400"/>
                                         <p:tgtEl>
-                                          <p:spTgt spid="142"/>
+                                          <p:spTgt spid="149"/>
                                         </p:tgtEl>
                                         <p:attrNameLst>
                                           <p:attrName>ppt_h</p:attrName>
@@ -10855,7 +11472,7 @@
                                           </p:stCondLst>
                                         </p:cTn>
                                         <p:tgtEl>
-                                          <p:spTgt spid="147"/>
+                                          <p:spTgt spid="154"/>
                                         </p:tgtEl>
                                         <p:attrNameLst>
                                           <p:attrName>style.visibility</p:attrName>
@@ -10869,7 +11486,7 @@
                                       <p:cBhvr>
                                         <p:cTn dur="1900"/>
                                         <p:tgtEl>
-                                          <p:spTgt spid="147"/>
+                                          <p:spTgt spid="154"/>
                                         </p:tgtEl>
                                       </p:cBhvr>
                                     </p:animEffect>
@@ -10908,7 +11525,7 @@
                                           </p:stCondLst>
                                         </p:cTn>
                                         <p:tgtEl>
-                                          <p:spTgt spid="144"/>
+                                          <p:spTgt spid="151"/>
                                         </p:tgtEl>
                                         <p:attrNameLst>
                                           <p:attrName>style.visibility</p:attrName>
@@ -10922,7 +11539,7 @@
                                       <p:cBhvr additive="base">
                                         <p:cTn dur="1300"/>
                                         <p:tgtEl>
-                                          <p:spTgt spid="144"/>
+                                          <p:spTgt spid="151"/>
                                         </p:tgtEl>
                                         <p:attrNameLst>
                                           <p:attrName>ppt_w</p:attrName>
@@ -10945,7 +11562,7 @@
                                       <p:cBhvr additive="base">
                                         <p:cTn dur="1300"/>
                                         <p:tgtEl>
-                                          <p:spTgt spid="144"/>
+                                          <p:spTgt spid="151"/>
                                         </p:tgtEl>
                                         <p:attrNameLst>
                                           <p:attrName>ppt_h</p:attrName>
@@ -10999,7 +11616,7 @@
                                           </p:stCondLst>
                                         </p:cTn>
                                         <p:tgtEl>
-                                          <p:spTgt spid="149"/>
+                                          <p:spTgt spid="156"/>
                                         </p:tgtEl>
                                         <p:attrNameLst>
                                           <p:attrName>style.visibility</p:attrName>
@@ -11013,7 +11630,7 @@
                                       <p:cBhvr>
                                         <p:cTn dur="1300"/>
                                         <p:tgtEl>
-                                          <p:spTgt spid="149"/>
+                                          <p:spTgt spid="156"/>
                                         </p:tgtEl>
                                       </p:cBhvr>
                                     </p:animEffect>
@@ -11052,7 +11669,7 @@
                                           </p:stCondLst>
                                         </p:cTn>
                                         <p:tgtEl>
-                                          <p:spTgt spid="145"/>
+                                          <p:spTgt spid="152"/>
                                         </p:tgtEl>
                                         <p:attrNameLst>
                                           <p:attrName>style.visibility</p:attrName>
@@ -11066,7 +11683,7 @@
                                       <p:cBhvr additive="base">
                                         <p:cTn dur="1300"/>
                                         <p:tgtEl>
-                                          <p:spTgt spid="145"/>
+                                          <p:spTgt spid="152"/>
                                         </p:tgtEl>
                                         <p:attrNameLst>
                                           <p:attrName>ppt_w</p:attrName>
@@ -11089,7 +11706,7 @@
                                       <p:cBhvr additive="base">
                                         <p:cTn dur="1300"/>
                                         <p:tgtEl>
-                                          <p:spTgt spid="145"/>
+                                          <p:spTgt spid="152"/>
                                         </p:tgtEl>
                                         <p:attrNameLst>
                                           <p:attrName>ppt_h</p:attrName>
@@ -11143,7 +11760,7 @@
                                           </p:stCondLst>
                                         </p:cTn>
                                         <p:tgtEl>
-                                          <p:spTgt spid="150"/>
+                                          <p:spTgt spid="157"/>
                                         </p:tgtEl>
                                         <p:attrNameLst>
                                           <p:attrName>style.visibility</p:attrName>
@@ -11157,7 +11774,7 @@
                                       <p:cBhvr>
                                         <p:cTn dur="1300"/>
                                         <p:tgtEl>
-                                          <p:spTgt spid="150"/>
+                                          <p:spTgt spid="157"/>
                                         </p:tgtEl>
                                       </p:cBhvr>
                                     </p:animEffect>
@@ -11195,12 +11812,12 @@
 </p:sld>
 </file>
 
-<file path=ppt/slides/slide4.xml><?xml version="1.0" encoding="utf-8"?>
+<file path=ppt/slides/slide5.xml><?xml version="1.0" encoding="utf-8"?>
 <p:sld xmlns:a="http://schemas.openxmlformats.org/drawingml/2006/main" xmlns:r="http://schemas.openxmlformats.org/officeDocument/2006/relationships" xmlns:mc="http://schemas.openxmlformats.org/markup-compatibility/2006" xmlns:mv="urn:schemas-microsoft-com:mac:vml" xmlns:p="http://schemas.openxmlformats.org/presentationml/2006/main" xmlns:c="http://schemas.openxmlformats.org/drawingml/2006/chart" xmlns:dgm="http://schemas.openxmlformats.org/drawingml/2006/diagram" xmlns:o="urn:schemas-microsoft-com:office:office" xmlns:v="urn:schemas-microsoft-com:vml" xmlns:pvml="urn:schemas-microsoft-com:office:powerpoint" xmlns:com="http://schemas.openxmlformats.org/drawingml/2006/compatibility" xmlns:p14="http://schemas.microsoft.com/office/powerpoint/2010/main" xmlns:p15="http://schemas.microsoft.com/office/powerpoint/2012/main" xmlns:ahyp="http://schemas.microsoft.com/office/drawing/2018/hyperlinkcolor">
   <p:cSld>
     <p:spTree>
       <p:nvGrpSpPr>
-        <p:cNvPr id="154" name="Shape 154"/>
+        <p:cNvPr id="161" name="Shape 161"/>
         <p:cNvGrpSpPr/>
         <p:nvPr/>
       </p:nvGrpSpPr>
@@ -11214,7 +11831,7 @@
       </p:grpSpPr>
       <p:sp>
         <p:nvSpPr>
-          <p:cNvPr id="155" name="Google Shape;155;p16"/>
+          <p:cNvPr id="162" name="Google Shape;162;p17"/>
           <p:cNvSpPr txBox="1"/>
           <p:nvPr>
             <p:ph idx="1" type="body"/>
@@ -11262,7 +11879,7 @@
       </p:sp>
       <p:pic>
         <p:nvPicPr>
-          <p:cNvPr id="156" name="Google Shape;156;p16"/>
+          <p:cNvPr id="163" name="Google Shape;163;p17"/>
           <p:cNvPicPr preferRelativeResize="0"/>
           <p:nvPr/>
         </p:nvPicPr>
@@ -11290,7 +11907,7 @@
       </p:pic>
       <p:pic>
         <p:nvPicPr>
-          <p:cNvPr id="157" name="Google Shape;157;p16"/>
+          <p:cNvPr id="164" name="Google Shape;164;p17"/>
           <p:cNvPicPr preferRelativeResize="0"/>
           <p:nvPr/>
         </p:nvPicPr>
@@ -11318,7 +11935,7 @@
       </p:pic>
       <p:pic>
         <p:nvPicPr>
-          <p:cNvPr id="158" name="Google Shape;158;p16"/>
+          <p:cNvPr id="165" name="Google Shape;165;p17"/>
           <p:cNvPicPr preferRelativeResize="0"/>
           <p:nvPr/>
         </p:nvPicPr>
@@ -11346,7 +11963,7 @@
       </p:pic>
       <p:sp>
         <p:nvSpPr>
-          <p:cNvPr id="159" name="Google Shape;159;p16"/>
+          <p:cNvPr id="166" name="Google Shape;166;p17"/>
           <p:cNvSpPr/>
           <p:nvPr/>
         </p:nvSpPr>
@@ -11400,7 +12017,7 @@
       </p:sp>
       <p:sp>
         <p:nvSpPr>
-          <p:cNvPr id="160" name="Google Shape;160;p16"/>
+          <p:cNvPr id="167" name="Google Shape;167;p17"/>
           <p:cNvSpPr/>
           <p:nvPr/>
         </p:nvSpPr>
@@ -11454,7 +12071,7 @@
       </p:sp>
       <p:cxnSp>
         <p:nvCxnSpPr>
-          <p:cNvPr id="161" name="Google Shape;161;p16"/>
+          <p:cNvPr id="168" name="Google Shape;168;p17"/>
           <p:cNvCxnSpPr/>
           <p:nvPr/>
         </p:nvCxnSpPr>
@@ -11480,7 +12097,7 @@
       </p:cxnSp>
       <p:sp>
         <p:nvSpPr>
-          <p:cNvPr id="162" name="Google Shape;162;p16"/>
+          <p:cNvPr id="169" name="Google Shape;169;p17"/>
           <p:cNvSpPr/>
           <p:nvPr/>
         </p:nvSpPr>
@@ -11531,7 +12148,7 @@
       </p:sp>
       <p:sp>
         <p:nvSpPr>
-          <p:cNvPr id="163" name="Google Shape;163;p16"/>
+          <p:cNvPr id="170" name="Google Shape;170;p17"/>
           <p:cNvSpPr/>
           <p:nvPr/>
         </p:nvSpPr>
@@ -11585,7 +12202,7 @@
       </p:sp>
       <p:cxnSp>
         <p:nvCxnSpPr>
-          <p:cNvPr id="164" name="Google Shape;164;p16"/>
+          <p:cNvPr id="171" name="Google Shape;171;p17"/>
           <p:cNvCxnSpPr/>
           <p:nvPr/>
         </p:nvCxnSpPr>
@@ -11611,7 +12228,7 @@
       </p:cxnSp>
       <p:sp>
         <p:nvSpPr>
-          <p:cNvPr id="165" name="Google Shape;165;p16"/>
+          <p:cNvPr id="172" name="Google Shape;172;p17"/>
           <p:cNvSpPr/>
           <p:nvPr/>
         </p:nvSpPr>
@@ -11702,7 +12319,7 @@
                                           </p:stCondLst>
                                         </p:cTn>
                                         <p:tgtEl>
-                                          <p:spTgt spid="156"/>
+                                          <p:spTgt spid="163"/>
                                         </p:tgtEl>
                                         <p:attrNameLst>
                                           <p:attrName>style.visibility</p:attrName>
@@ -11716,7 +12333,7 @@
                                       <p:cBhvr additive="base">
                                         <p:cTn dur="1300"/>
                                         <p:tgtEl>
-                                          <p:spTgt spid="156"/>
+                                          <p:spTgt spid="163"/>
                                         </p:tgtEl>
                                         <p:attrNameLst>
                                           <p:attrName>ppt_w</p:attrName>
@@ -11739,7 +12356,7 @@
                                       <p:cBhvr additive="base">
                                         <p:cTn dur="1300"/>
                                         <p:tgtEl>
-                                          <p:spTgt spid="156"/>
+                                          <p:spTgt spid="163"/>
                                         </p:tgtEl>
                                         <p:attrNameLst>
                                           <p:attrName>ppt_h</p:attrName>
@@ -11793,7 +12410,7 @@
                                           </p:stCondLst>
                                         </p:cTn>
                                         <p:tgtEl>
-                                          <p:spTgt spid="157"/>
+                                          <p:spTgt spid="164"/>
                                         </p:tgtEl>
                                         <p:attrNameLst>
                                           <p:attrName>style.visibility</p:attrName>
@@ -11807,7 +12424,7 @@
                                       <p:cBhvr additive="base">
                                         <p:cTn dur="1300"/>
                                         <p:tgtEl>
-                                          <p:spTgt spid="157"/>
+                                          <p:spTgt spid="164"/>
                                         </p:tgtEl>
                                         <p:attrNameLst>
                                           <p:attrName>ppt_w</p:attrName>
@@ -11830,7 +12447,7 @@
                                       <p:cBhvr additive="base">
                                         <p:cTn dur="1300"/>
                                         <p:tgtEl>
-                                          <p:spTgt spid="157"/>
+                                          <p:spTgt spid="164"/>
                                         </p:tgtEl>
                                         <p:attrNameLst>
                                           <p:attrName>ppt_h</p:attrName>
@@ -11884,7 +12501,7 @@
                                           </p:stCondLst>
                                         </p:cTn>
                                         <p:tgtEl>
-                                          <p:spTgt spid="161"/>
+                                          <p:spTgt spid="168"/>
                                         </p:tgtEl>
                                         <p:attrNameLst>
                                           <p:attrName>style.visibility</p:attrName>
@@ -11898,7 +12515,7 @@
                                       <p:cBhvr>
                                         <p:cTn dur="1300"/>
                                         <p:tgtEl>
-                                          <p:spTgt spid="161"/>
+                                          <p:spTgt spid="168"/>
                                         </p:tgtEl>
                                       </p:cBhvr>
                                     </p:animEffect>
@@ -11937,7 +12554,7 @@
                                           </p:stCondLst>
                                         </p:cTn>
                                         <p:tgtEl>
-                                          <p:spTgt spid="159"/>
+                                          <p:spTgt spid="166"/>
                                         </p:tgtEl>
                                         <p:attrNameLst>
                                           <p:attrName>style.visibility</p:attrName>
@@ -11951,7 +12568,7 @@
                                       <p:cBhvr>
                                         <p:cTn dur="1300"/>
                                         <p:tgtEl>
-                                          <p:spTgt spid="159"/>
+                                          <p:spTgt spid="166"/>
                                         </p:tgtEl>
                                       </p:cBhvr>
                                     </p:animEffect>
@@ -11981,7 +12598,7 @@
                                           </p:stCondLst>
                                         </p:cTn>
                                         <p:tgtEl>
-                                          <p:spTgt spid="160"/>
+                                          <p:spTgt spid="167"/>
                                         </p:tgtEl>
                                         <p:attrNameLst>
                                           <p:attrName>style.visibility</p:attrName>
@@ -11995,7 +12612,7 @@
                                       <p:cBhvr>
                                         <p:cTn dur="1000"/>
                                         <p:tgtEl>
-                                          <p:spTgt spid="160"/>
+                                          <p:spTgt spid="167"/>
                                         </p:tgtEl>
                                       </p:cBhvr>
                                     </p:animEffect>
@@ -12034,7 +12651,7 @@
                                           </p:stCondLst>
                                         </p:cTn>
                                         <p:tgtEl>
-                                          <p:spTgt spid="162"/>
+                                          <p:spTgt spid="169"/>
                                         </p:tgtEl>
                                         <p:attrNameLst>
                                           <p:attrName>style.visibility</p:attrName>
@@ -12048,7 +12665,7 @@
                                       <p:cBhvr>
                                         <p:cTn dur="1300"/>
                                         <p:tgtEl>
-                                          <p:spTgt spid="162"/>
+                                          <p:spTgt spid="169"/>
                                         </p:tgtEl>
                                       </p:cBhvr>
                                     </p:animEffect>
@@ -12087,7 +12704,7 @@
                                           </p:stCondLst>
                                         </p:cTn>
                                         <p:tgtEl>
-                                          <p:spTgt spid="158"/>
+                                          <p:spTgt spid="165"/>
                                         </p:tgtEl>
                                         <p:attrNameLst>
                                           <p:attrName>style.visibility</p:attrName>
@@ -12101,7 +12718,7 @@
                                       <p:cBhvr additive="base">
                                         <p:cTn dur="1300"/>
                                         <p:tgtEl>
-                                          <p:spTgt spid="158"/>
+                                          <p:spTgt spid="165"/>
                                         </p:tgtEl>
                                         <p:attrNameLst>
                                           <p:attrName>ppt_w</p:attrName>
@@ -12124,7 +12741,7 @@
                                       <p:cBhvr additive="base">
                                         <p:cTn dur="1300"/>
                                         <p:tgtEl>
-                                          <p:spTgt spid="158"/>
+                                          <p:spTgt spid="165"/>
                                         </p:tgtEl>
                                         <p:attrNameLst>
                                           <p:attrName>ppt_h</p:attrName>
@@ -12169,7 +12786,7 @@
                                           </p:stCondLst>
                                         </p:cTn>
                                         <p:tgtEl>
-                                          <p:spTgt spid="164"/>
+                                          <p:spTgt spid="171"/>
                                         </p:tgtEl>
                                         <p:attrNameLst>
                                           <p:attrName>style.visibility</p:attrName>
@@ -12183,7 +12800,7 @@
                                       <p:cBhvr>
                                         <p:cTn dur="1500"/>
                                         <p:tgtEl>
-                                          <p:spTgt spid="164"/>
+                                          <p:spTgt spid="171"/>
                                         </p:tgtEl>
                                       </p:cBhvr>
                                     </p:animEffect>
@@ -12222,7 +12839,7 @@
                                           </p:stCondLst>
                                         </p:cTn>
                                         <p:tgtEl>
-                                          <p:spTgt spid="163"/>
+                                          <p:spTgt spid="170"/>
                                         </p:tgtEl>
                                         <p:attrNameLst>
                                           <p:attrName>style.visibility</p:attrName>
@@ -12236,7 +12853,7 @@
                                       <p:cBhvr>
                                         <p:cTn dur="1300"/>
                                         <p:tgtEl>
-                                          <p:spTgt spid="163"/>
+                                          <p:spTgt spid="170"/>
                                         </p:tgtEl>
                                       </p:cBhvr>
                                     </p:animEffect>
@@ -12275,7 +12892,7 @@
                                           </p:stCondLst>
                                         </p:cTn>
                                         <p:tgtEl>
-                                          <p:spTgt spid="165"/>
+                                          <p:spTgt spid="172"/>
                                         </p:tgtEl>
                                         <p:attrNameLst>
                                           <p:attrName>style.visibility</p:attrName>
@@ -12289,7 +12906,7 @@
                                       <p:cBhvr>
                                         <p:cTn dur="1300"/>
                                         <p:tgtEl>
-                                          <p:spTgt spid="165"/>
+                                          <p:spTgt spid="172"/>
                                         </p:tgtEl>
                                       </p:cBhvr>
                                     </p:animEffect>
@@ -12327,12 +12944,12 @@
 </p:sld>
 </file>
 
-<file path=ppt/slides/slide5.xml><?xml version="1.0" encoding="utf-8"?>
+<file path=ppt/slides/slide6.xml><?xml version="1.0" encoding="utf-8"?>
 <p:sld xmlns:a="http://schemas.openxmlformats.org/drawingml/2006/main" xmlns:r="http://schemas.openxmlformats.org/officeDocument/2006/relationships" xmlns:mc="http://schemas.openxmlformats.org/markup-compatibility/2006" xmlns:mv="urn:schemas-microsoft-com:mac:vml" xmlns:p="http://schemas.openxmlformats.org/presentationml/2006/main" xmlns:c="http://schemas.openxmlformats.org/drawingml/2006/chart" xmlns:dgm="http://schemas.openxmlformats.org/drawingml/2006/diagram" xmlns:o="urn:schemas-microsoft-com:office:office" xmlns:v="urn:schemas-microsoft-com:vml" xmlns:pvml="urn:schemas-microsoft-com:office:powerpoint" xmlns:com="http://schemas.openxmlformats.org/drawingml/2006/compatibility" xmlns:p14="http://schemas.microsoft.com/office/powerpoint/2010/main" xmlns:p15="http://schemas.microsoft.com/office/powerpoint/2012/main" xmlns:ahyp="http://schemas.microsoft.com/office/drawing/2018/hyperlinkcolor">
   <p:cSld>
     <p:spTree>
       <p:nvGrpSpPr>
-        <p:cNvPr id="169" name="Shape 169"/>
+        <p:cNvPr id="176" name="Shape 176"/>
         <p:cNvGrpSpPr/>
         <p:nvPr/>
       </p:nvGrpSpPr>
@@ -12346,7 +12963,7 @@
       </p:grpSpPr>
       <p:sp>
         <p:nvSpPr>
-          <p:cNvPr id="170" name="Google Shape;170;p17"/>
+          <p:cNvPr id="177" name="Google Shape;177;p18"/>
           <p:cNvSpPr txBox="1"/>
           <p:nvPr>
             <p:ph idx="1" type="body"/>
@@ -12385,7 +13002,7 @@
       </p:sp>
       <p:pic>
         <p:nvPicPr>
-          <p:cNvPr id="171" name="Google Shape;171;p17"/>
+          <p:cNvPr id="178" name="Google Shape;178;p18"/>
           <p:cNvPicPr preferRelativeResize="0"/>
           <p:nvPr/>
         </p:nvPicPr>
@@ -12413,7 +13030,7 @@
       </p:pic>
       <p:pic>
         <p:nvPicPr>
-          <p:cNvPr id="172" name="Google Shape;172;p17"/>
+          <p:cNvPr id="179" name="Google Shape;179;p18"/>
           <p:cNvPicPr preferRelativeResize="0"/>
           <p:nvPr/>
         </p:nvPicPr>
@@ -12441,7 +13058,7 @@
       </p:pic>
       <p:pic>
         <p:nvPicPr>
-          <p:cNvPr id="173" name="Google Shape;173;p17"/>
+          <p:cNvPr id="180" name="Google Shape;180;p18"/>
           <p:cNvPicPr preferRelativeResize="0"/>
           <p:nvPr/>
         </p:nvPicPr>
@@ -12469,7 +13086,7 @@
       </p:pic>
       <p:pic>
         <p:nvPicPr>
-          <p:cNvPr id="174" name="Google Shape;174;p17"/>
+          <p:cNvPr id="181" name="Google Shape;181;p18"/>
           <p:cNvPicPr preferRelativeResize="0"/>
           <p:nvPr/>
         </p:nvPicPr>
@@ -12497,7 +13114,7 @@
       </p:pic>
       <p:pic>
         <p:nvPicPr>
-          <p:cNvPr id="175" name="Google Shape;175;p17"/>
+          <p:cNvPr id="182" name="Google Shape;182;p18"/>
           <p:cNvPicPr preferRelativeResize="0"/>
           <p:nvPr/>
         </p:nvPicPr>
@@ -12525,7 +13142,7 @@
       </p:pic>
       <p:sp>
         <p:nvSpPr>
-          <p:cNvPr id="176" name="Google Shape;176;p17"/>
+          <p:cNvPr id="183" name="Google Shape;183;p18"/>
           <p:cNvSpPr/>
           <p:nvPr/>
         </p:nvSpPr>
@@ -12579,7 +13196,7 @@
       </p:sp>
       <p:sp>
         <p:nvSpPr>
-          <p:cNvPr id="177" name="Google Shape;177;p17"/>
+          <p:cNvPr id="184" name="Google Shape;184;p18"/>
           <p:cNvSpPr/>
           <p:nvPr/>
         </p:nvSpPr>
@@ -12633,7 +13250,7 @@
       </p:sp>
       <p:sp>
         <p:nvSpPr>
-          <p:cNvPr id="178" name="Google Shape;178;p17"/>
+          <p:cNvPr id="185" name="Google Shape;185;p18"/>
           <p:cNvSpPr/>
           <p:nvPr/>
         </p:nvSpPr>
@@ -12687,7 +13304,7 @@
       </p:sp>
       <p:sp>
         <p:nvSpPr>
-          <p:cNvPr id="179" name="Google Shape;179;p17"/>
+          <p:cNvPr id="186" name="Google Shape;186;p18"/>
           <p:cNvSpPr/>
           <p:nvPr/>
         </p:nvSpPr>
@@ -12741,7 +13358,7 @@
       </p:sp>
       <p:sp>
         <p:nvSpPr>
-          <p:cNvPr id="180" name="Google Shape;180;p17"/>
+          <p:cNvPr id="187" name="Google Shape;187;p18"/>
           <p:cNvSpPr/>
           <p:nvPr/>
         </p:nvSpPr>
@@ -12829,7 +13446,7 @@
                                           </p:stCondLst>
                                         </p:cTn>
                                         <p:tgtEl>
-                                          <p:spTgt spid="171"/>
+                                          <p:spTgt spid="178"/>
                                         </p:tgtEl>
                                         <p:attrNameLst>
                                           <p:attrName>style.visibility</p:attrName>
@@ -12843,7 +13460,7 @@
                                       <p:cBhvr additive="base">
                                         <p:cTn dur="1300"/>
                                         <p:tgtEl>
-                                          <p:spTgt spid="171"/>
+                                          <p:spTgt spid="178"/>
                                         </p:tgtEl>
                                         <p:attrNameLst>
                                           <p:attrName>ppt_w</p:attrName>
@@ -12866,7 +13483,7 @@
                                       <p:cBhvr additive="base">
                                         <p:cTn dur="1300"/>
                                         <p:tgtEl>
-                                          <p:spTgt spid="171"/>
+                                          <p:spTgt spid="178"/>
                                         </p:tgtEl>
                                         <p:attrNameLst>
                                           <p:attrName>ppt_h</p:attrName>
@@ -12920,7 +13537,7 @@
                                           </p:stCondLst>
                                         </p:cTn>
                                         <p:tgtEl>
-                                          <p:spTgt spid="177"/>
+                                          <p:spTgt spid="184"/>
                                         </p:tgtEl>
                                         <p:attrNameLst>
                                           <p:attrName>style.visibility</p:attrName>
@@ -12934,7 +13551,7 @@
                                       <p:cBhvr>
                                         <p:cTn dur="1300"/>
                                         <p:tgtEl>
-                                          <p:spTgt spid="177"/>
+                                          <p:spTgt spid="184"/>
                                         </p:tgtEl>
                                       </p:cBhvr>
                                     </p:animEffect>
@@ -12973,7 +13590,7 @@
                                           </p:stCondLst>
                                         </p:cTn>
                                         <p:tgtEl>
-                                          <p:spTgt spid="173"/>
+                                          <p:spTgt spid="180"/>
                                         </p:tgtEl>
                                         <p:attrNameLst>
                                           <p:attrName>style.visibility</p:attrName>
@@ -12987,7 +13604,7 @@
                                       <p:cBhvr additive="base">
                                         <p:cTn dur="1300"/>
                                         <p:tgtEl>
-                                          <p:spTgt spid="173"/>
+                                          <p:spTgt spid="180"/>
                                         </p:tgtEl>
                                         <p:attrNameLst>
                                           <p:attrName>ppt_w</p:attrName>
@@ -13010,7 +13627,7 @@
                                       <p:cBhvr additive="base">
                                         <p:cTn dur="1300"/>
                                         <p:tgtEl>
-                                          <p:spTgt spid="173"/>
+                                          <p:spTgt spid="180"/>
                                         </p:tgtEl>
                                         <p:attrNameLst>
                                           <p:attrName>ppt_h</p:attrName>
@@ -13064,7 +13681,7 @@
                                           </p:stCondLst>
                                         </p:cTn>
                                         <p:tgtEl>
-                                          <p:spTgt spid="179"/>
+                                          <p:spTgt spid="186"/>
                                         </p:tgtEl>
                                         <p:attrNameLst>
                                           <p:attrName>style.visibility</p:attrName>
@@ -13078,7 +13695,7 @@
                                       <p:cBhvr>
                                         <p:cTn dur="1300"/>
                                         <p:tgtEl>
-                                          <p:spTgt spid="179"/>
+                                          <p:spTgt spid="186"/>
                                         </p:tgtEl>
                                       </p:cBhvr>
                                     </p:animEffect>
@@ -13117,7 +13734,7 @@
                                           </p:stCondLst>
                                         </p:cTn>
                                         <p:tgtEl>
-                                          <p:spTgt spid="174"/>
+                                          <p:spTgt spid="181"/>
                                         </p:tgtEl>
                                         <p:attrNameLst>
                                           <p:attrName>style.visibility</p:attrName>
@@ -13131,7 +13748,7 @@
                                       <p:cBhvr additive="base">
                                         <p:cTn dur="1300"/>
                                         <p:tgtEl>
-                                          <p:spTgt spid="174"/>
+                                          <p:spTgt spid="181"/>
                                         </p:tgtEl>
                                         <p:attrNameLst>
                                           <p:attrName>ppt_w</p:attrName>
@@ -13154,7 +13771,7 @@
                                       <p:cBhvr additive="base">
                                         <p:cTn dur="1300"/>
                                         <p:tgtEl>
-                                          <p:spTgt spid="174"/>
+                                          <p:spTgt spid="181"/>
                                         </p:tgtEl>
                                         <p:attrNameLst>
                                           <p:attrName>ppt_h</p:attrName>
@@ -13208,7 +13825,7 @@
                                           </p:stCondLst>
                                         </p:cTn>
                                         <p:tgtEl>
-                                          <p:spTgt spid="178"/>
+                                          <p:spTgt spid="185"/>
                                         </p:tgtEl>
                                         <p:attrNameLst>
                                           <p:attrName>style.visibility</p:attrName>
@@ -13222,7 +13839,7 @@
                                       <p:cBhvr>
                                         <p:cTn dur="1300"/>
                                         <p:tgtEl>
-                                          <p:spTgt spid="178"/>
+                                          <p:spTgt spid="185"/>
                                         </p:tgtEl>
                                       </p:cBhvr>
                                     </p:animEffect>
@@ -13261,7 +13878,7 @@
                                           </p:stCondLst>
                                         </p:cTn>
                                         <p:tgtEl>
-                                          <p:spTgt spid="175"/>
+                                          <p:spTgt spid="182"/>
                                         </p:tgtEl>
                                         <p:attrNameLst>
                                           <p:attrName>style.visibility</p:attrName>
@@ -13275,7 +13892,7 @@
                                       <p:cBhvr additive="base">
                                         <p:cTn dur="1300"/>
                                         <p:tgtEl>
-                                          <p:spTgt spid="175"/>
+                                          <p:spTgt spid="182"/>
                                         </p:tgtEl>
                                         <p:attrNameLst>
                                           <p:attrName>ppt_w</p:attrName>
@@ -13298,7 +13915,7 @@
                                       <p:cBhvr additive="base">
                                         <p:cTn dur="1300"/>
                                         <p:tgtEl>
-                                          <p:spTgt spid="175"/>
+                                          <p:spTgt spid="182"/>
                                         </p:tgtEl>
                                         <p:attrNameLst>
                                           <p:attrName>ppt_h</p:attrName>
@@ -13352,7 +13969,7 @@
                                           </p:stCondLst>
                                         </p:cTn>
                                         <p:tgtEl>
-                                          <p:spTgt spid="180"/>
+                                          <p:spTgt spid="187"/>
                                         </p:tgtEl>
                                         <p:attrNameLst>
                                           <p:attrName>style.visibility</p:attrName>
@@ -13366,7 +13983,7 @@
                                       <p:cBhvr>
                                         <p:cTn dur="1300"/>
                                         <p:tgtEl>
-                                          <p:spTgt spid="180"/>
+                                          <p:spTgt spid="187"/>
                                         </p:tgtEl>
                                       </p:cBhvr>
                                     </p:animEffect>
@@ -13405,7 +14022,7 @@
                                           </p:stCondLst>
                                         </p:cTn>
                                         <p:tgtEl>
-                                          <p:spTgt spid="172"/>
+                                          <p:spTgt spid="179"/>
                                         </p:tgtEl>
                                         <p:attrNameLst>
                                           <p:attrName>style.visibility</p:attrName>
@@ -13419,7 +14036,7 @@
                                       <p:cBhvr additive="base">
                                         <p:cTn dur="1300"/>
                                         <p:tgtEl>
-                                          <p:spTgt spid="172"/>
+                                          <p:spTgt spid="179"/>
                                         </p:tgtEl>
                                         <p:attrNameLst>
                                           <p:attrName>ppt_w</p:attrName>
@@ -13442,7 +14059,7 @@
                                       <p:cBhvr additive="base">
                                         <p:cTn dur="1300"/>
                                         <p:tgtEl>
-                                          <p:spTgt spid="172"/>
+                                          <p:spTgt spid="179"/>
                                         </p:tgtEl>
                                         <p:attrNameLst>
                                           <p:attrName>ppt_h</p:attrName>
@@ -13496,7 +14113,7 @@
                                           </p:stCondLst>
                                         </p:cTn>
                                         <p:tgtEl>
-                                          <p:spTgt spid="176"/>
+                                          <p:spTgt spid="183"/>
                                         </p:tgtEl>
                                         <p:attrNameLst>
                                           <p:attrName>style.visibility</p:attrName>
@@ -13510,7 +14127,7 @@
                                       <p:cBhvr>
                                         <p:cTn dur="1300"/>
                                         <p:tgtEl>
-                                          <p:spTgt spid="176"/>
+                                          <p:spTgt spid="183"/>
                                         </p:tgtEl>
                                       </p:cBhvr>
                                     </p:animEffect>
@@ -13548,12 +14165,12 @@
 </p:sld>
 </file>
 
-<file path=ppt/slides/slide6.xml><?xml version="1.0" encoding="utf-8"?>
+<file path=ppt/slides/slide7.xml><?xml version="1.0" encoding="utf-8"?>
 <p:sld xmlns:a="http://schemas.openxmlformats.org/drawingml/2006/main" xmlns:r="http://schemas.openxmlformats.org/officeDocument/2006/relationships" xmlns:mc="http://schemas.openxmlformats.org/markup-compatibility/2006" xmlns:mv="urn:schemas-microsoft-com:mac:vml" xmlns:p="http://schemas.openxmlformats.org/presentationml/2006/main" xmlns:c="http://schemas.openxmlformats.org/drawingml/2006/chart" xmlns:dgm="http://schemas.openxmlformats.org/drawingml/2006/diagram" xmlns:o="urn:schemas-microsoft-com:office:office" xmlns:v="urn:schemas-microsoft-com:vml" xmlns:pvml="urn:schemas-microsoft-com:office:powerpoint" xmlns:com="http://schemas.openxmlformats.org/drawingml/2006/compatibility" xmlns:p14="http://schemas.microsoft.com/office/powerpoint/2010/main" xmlns:p15="http://schemas.microsoft.com/office/powerpoint/2012/main" xmlns:ahyp="http://schemas.microsoft.com/office/drawing/2018/hyperlinkcolor">
   <p:cSld>
     <p:spTree>
       <p:nvGrpSpPr>
-        <p:cNvPr id="184" name="Shape 184"/>
+        <p:cNvPr id="191" name="Shape 191"/>
         <p:cNvGrpSpPr/>
         <p:nvPr/>
       </p:nvGrpSpPr>
@@ -13567,7 +14184,7 @@
       </p:grpSpPr>
       <p:sp>
         <p:nvSpPr>
-          <p:cNvPr id="185" name="Google Shape;185;p18"/>
+          <p:cNvPr id="192" name="Google Shape;192;p19"/>
           <p:cNvSpPr txBox="1"/>
           <p:nvPr>
             <p:ph idx="1" type="body"/>
@@ -13606,7 +14223,7 @@
       </p:sp>
       <p:pic>
         <p:nvPicPr>
-          <p:cNvPr id="186" name="Google Shape;186;p18"/>
+          <p:cNvPr id="193" name="Google Shape;193;p19"/>
           <p:cNvPicPr preferRelativeResize="0"/>
           <p:nvPr/>
         </p:nvPicPr>
@@ -13634,7 +14251,7 @@
       </p:pic>
       <p:pic>
         <p:nvPicPr>
-          <p:cNvPr id="187" name="Google Shape;187;p18"/>
+          <p:cNvPr id="194" name="Google Shape;194;p19"/>
           <p:cNvPicPr preferRelativeResize="0"/>
           <p:nvPr/>
         </p:nvPicPr>
@@ -13662,7 +14279,7 @@
       </p:pic>
       <p:pic>
         <p:nvPicPr>
-          <p:cNvPr id="188" name="Google Shape;188;p18"/>
+          <p:cNvPr id="195" name="Google Shape;195;p19"/>
           <p:cNvPicPr preferRelativeResize="0"/>
           <p:nvPr/>
         </p:nvPicPr>
@@ -13690,7 +14307,7 @@
       </p:pic>
       <p:sp>
         <p:nvSpPr>
-          <p:cNvPr id="189" name="Google Shape;189;p18"/>
+          <p:cNvPr id="196" name="Google Shape;196;p19"/>
           <p:cNvSpPr/>
           <p:nvPr/>
         </p:nvSpPr>
@@ -13792,7 +14409,7 @@
       </p:sp>
       <p:cxnSp>
         <p:nvCxnSpPr>
-          <p:cNvPr id="190" name="Google Shape;190;p18"/>
+          <p:cNvPr id="197" name="Google Shape;197;p19"/>
           <p:cNvCxnSpPr/>
           <p:nvPr/>
         </p:nvCxnSpPr>
@@ -13818,7 +14435,7 @@
       </p:cxnSp>
       <p:sp>
         <p:nvSpPr>
-          <p:cNvPr id="191" name="Google Shape;191;p18"/>
+          <p:cNvPr id="198" name="Google Shape;198;p19"/>
           <p:cNvSpPr/>
           <p:nvPr/>
         </p:nvSpPr>
@@ -13869,7 +14486,7 @@
       </p:sp>
       <p:sp>
         <p:nvSpPr>
-          <p:cNvPr id="192" name="Google Shape;192;p18"/>
+          <p:cNvPr id="199" name="Google Shape;199;p19"/>
           <p:cNvSpPr/>
           <p:nvPr/>
         </p:nvSpPr>
@@ -13923,7 +14540,7 @@
       </p:sp>
       <p:cxnSp>
         <p:nvCxnSpPr>
-          <p:cNvPr id="193" name="Google Shape;193;p18"/>
+          <p:cNvPr id="200" name="Google Shape;200;p19"/>
           <p:cNvCxnSpPr/>
           <p:nvPr/>
         </p:nvCxnSpPr>
@@ -13949,7 +14566,7 @@
       </p:cxnSp>
       <p:sp>
         <p:nvSpPr>
-          <p:cNvPr id="194" name="Google Shape;194;p18"/>
+          <p:cNvPr id="201" name="Google Shape;201;p19"/>
           <p:cNvSpPr/>
           <p:nvPr/>
         </p:nvSpPr>
@@ -14040,7 +14657,7 @@
                                           </p:stCondLst>
                                         </p:cTn>
                                         <p:tgtEl>
-                                          <p:spTgt spid="186"/>
+                                          <p:spTgt spid="193"/>
                                         </p:tgtEl>
                                         <p:attrNameLst>
                                           <p:attrName>style.visibility</p:attrName>
@@ -14054,7 +14671,7 @@
                                       <p:cBhvr additive="base">
                                         <p:cTn dur="1300"/>
                                         <p:tgtEl>
-                                          <p:spTgt spid="186"/>
+                                          <p:spTgt spid="193"/>
                                         </p:tgtEl>
                                         <p:attrNameLst>
                                           <p:attrName>ppt_w</p:attrName>
@@ -14077,7 +14694,7 @@
                                       <p:cBhvr additive="base">
                                         <p:cTn dur="1300"/>
                                         <p:tgtEl>
-                                          <p:spTgt spid="186"/>
+                                          <p:spTgt spid="193"/>
                                         </p:tgtEl>
                                         <p:attrNameLst>
                                           <p:attrName>ppt_h</p:attrName>
@@ -14131,7 +14748,7 @@
                                           </p:stCondLst>
                                         </p:cTn>
                                         <p:tgtEl>
-                                          <p:spTgt spid="187"/>
+                                          <p:spTgt spid="194"/>
                                         </p:tgtEl>
                                         <p:attrNameLst>
                                           <p:attrName>style.visibility</p:attrName>
@@ -14145,7 +14762,7 @@
                                       <p:cBhvr additive="base">
                                         <p:cTn dur="1300"/>
                                         <p:tgtEl>
-                                          <p:spTgt spid="187"/>
+                                          <p:spTgt spid="194"/>
                                         </p:tgtEl>
                                         <p:attrNameLst>
                                           <p:attrName>ppt_w</p:attrName>
@@ -14168,7 +14785,7 @@
                                       <p:cBhvr additive="base">
                                         <p:cTn dur="1300"/>
                                         <p:tgtEl>
-                                          <p:spTgt spid="187"/>
+                                          <p:spTgt spid="194"/>
                                         </p:tgtEl>
                                         <p:attrNameLst>
                                           <p:attrName>ppt_h</p:attrName>
@@ -14222,7 +14839,7 @@
                                           </p:stCondLst>
                                         </p:cTn>
                                         <p:tgtEl>
-                                          <p:spTgt spid="190"/>
+                                          <p:spTgt spid="197"/>
                                         </p:tgtEl>
                                         <p:attrNameLst>
                                           <p:attrName>style.visibility</p:attrName>
@@ -14236,7 +14853,7 @@
                                       <p:cBhvr>
                                         <p:cTn dur="1300"/>
                                         <p:tgtEl>
-                                          <p:spTgt spid="190"/>
+                                          <p:spTgt spid="197"/>
                                         </p:tgtEl>
                                       </p:cBhvr>
                                     </p:animEffect>
@@ -14275,7 +14892,7 @@
                                           </p:stCondLst>
                                         </p:cTn>
                                         <p:tgtEl>
-                                          <p:spTgt spid="189"/>
+                                          <p:spTgt spid="196"/>
                                         </p:tgtEl>
                                         <p:attrNameLst>
                                           <p:attrName>style.visibility</p:attrName>
@@ -14289,7 +14906,7 @@
                                       <p:cBhvr>
                                         <p:cTn dur="1300"/>
                                         <p:tgtEl>
-                                          <p:spTgt spid="189"/>
+                                          <p:spTgt spid="196"/>
                                         </p:tgtEl>
                                       </p:cBhvr>
                                     </p:animEffect>
@@ -14328,7 +14945,7 @@
                                           </p:stCondLst>
                                         </p:cTn>
                                         <p:tgtEl>
-                                          <p:spTgt spid="191"/>
+                                          <p:spTgt spid="198"/>
                                         </p:tgtEl>
                                         <p:attrNameLst>
                                           <p:attrName>style.visibility</p:attrName>
@@ -14342,7 +14959,7 @@
                                       <p:cBhvr>
                                         <p:cTn dur="1300"/>
                                         <p:tgtEl>
-                                          <p:spTgt spid="191"/>
+                                          <p:spTgt spid="198"/>
                                         </p:tgtEl>
                                       </p:cBhvr>
                                     </p:animEffect>
@@ -14381,7 +14998,7 @@
                                           </p:stCondLst>
                                         </p:cTn>
                                         <p:tgtEl>
-                                          <p:spTgt spid="188"/>
+                                          <p:spTgt spid="195"/>
                                         </p:tgtEl>
                                         <p:attrNameLst>
                                           <p:attrName>style.visibility</p:attrName>
@@ -14395,7 +15012,7 @@
                                       <p:cBhvr additive="base">
                                         <p:cTn dur="1300"/>
                                         <p:tgtEl>
-                                          <p:spTgt spid="188"/>
+                                          <p:spTgt spid="195"/>
                                         </p:tgtEl>
                                         <p:attrNameLst>
                                           <p:attrName>ppt_w</p:attrName>
@@ -14418,7 +15035,7 @@
                                       <p:cBhvr additive="base">
                                         <p:cTn dur="1300"/>
                                         <p:tgtEl>
-                                          <p:spTgt spid="188"/>
+                                          <p:spTgt spid="195"/>
                                         </p:tgtEl>
                                         <p:attrNameLst>
                                           <p:attrName>ppt_h</p:attrName>
@@ -14472,7 +15089,7 @@
                                           </p:stCondLst>
                                         </p:cTn>
                                         <p:tgtEl>
-                                          <p:spTgt spid="193"/>
+                                          <p:spTgt spid="200"/>
                                         </p:tgtEl>
                                         <p:attrNameLst>
                                           <p:attrName>style.visibility</p:attrName>
@@ -14486,7 +15103,7 @@
                                       <p:cBhvr>
                                         <p:cTn dur="1300"/>
                                         <p:tgtEl>
-                                          <p:spTgt spid="193"/>
+                                          <p:spTgt spid="200"/>
                                         </p:tgtEl>
                                       </p:cBhvr>
                                     </p:animEffect>
@@ -14525,7 +15142,7 @@
                                           </p:stCondLst>
                                         </p:cTn>
                                         <p:tgtEl>
-                                          <p:spTgt spid="192"/>
+                                          <p:spTgt spid="199"/>
                                         </p:tgtEl>
                                         <p:attrNameLst>
                                           <p:attrName>style.visibility</p:attrName>
@@ -14539,7 +15156,7 @@
                                       <p:cBhvr>
                                         <p:cTn dur="1300"/>
                                         <p:tgtEl>
-                                          <p:spTgt spid="192"/>
+                                          <p:spTgt spid="199"/>
                                         </p:tgtEl>
                                       </p:cBhvr>
                                     </p:animEffect>
@@ -14578,7 +15195,7 @@
                                           </p:stCondLst>
                                         </p:cTn>
                                         <p:tgtEl>
-                                          <p:spTgt spid="194"/>
+                                          <p:spTgt spid="201"/>
                                         </p:tgtEl>
                                         <p:attrNameLst>
                                           <p:attrName>style.visibility</p:attrName>
@@ -14592,7 +15209,7 @@
                                       <p:cBhvr>
                                         <p:cTn dur="1300"/>
                                         <p:tgtEl>
-                                          <p:spTgt spid="194"/>
+                                          <p:spTgt spid="201"/>
                                         </p:tgtEl>
                                       </p:cBhvr>
                                     </p:animEffect>
@@ -14630,12 +15247,12 @@
 </p:sld>
 </file>
 
-<file path=ppt/slides/slide7.xml><?xml version="1.0" encoding="utf-8"?>
+<file path=ppt/slides/slide8.xml><?xml version="1.0" encoding="utf-8"?>
 <p:sld xmlns:a="http://schemas.openxmlformats.org/drawingml/2006/main" xmlns:r="http://schemas.openxmlformats.org/officeDocument/2006/relationships" xmlns:mc="http://schemas.openxmlformats.org/markup-compatibility/2006" xmlns:mv="urn:schemas-microsoft-com:mac:vml" xmlns:p="http://schemas.openxmlformats.org/presentationml/2006/main" xmlns:c="http://schemas.openxmlformats.org/drawingml/2006/chart" xmlns:dgm="http://schemas.openxmlformats.org/drawingml/2006/diagram" xmlns:o="urn:schemas-microsoft-com:office:office" xmlns:v="urn:schemas-microsoft-com:vml" xmlns:pvml="urn:schemas-microsoft-com:office:powerpoint" xmlns:com="http://schemas.openxmlformats.org/drawingml/2006/compatibility" xmlns:p14="http://schemas.microsoft.com/office/powerpoint/2010/main" xmlns:p15="http://schemas.microsoft.com/office/powerpoint/2012/main" xmlns:ahyp="http://schemas.microsoft.com/office/drawing/2018/hyperlinkcolor">
   <p:cSld>
     <p:spTree>
       <p:nvGrpSpPr>
-        <p:cNvPr id="198" name="Shape 198"/>
+        <p:cNvPr id="205" name="Shape 205"/>
         <p:cNvGrpSpPr/>
         <p:nvPr/>
       </p:nvGrpSpPr>
@@ -14649,7 +15266,7 @@
       </p:grpSpPr>
       <p:sp>
         <p:nvSpPr>
-          <p:cNvPr id="199" name="Google Shape;199;p19"/>
+          <p:cNvPr id="206" name="Google Shape;206;p20"/>
           <p:cNvSpPr txBox="1"/>
           <p:nvPr>
             <p:ph idx="1" type="body"/>
@@ -14688,7 +15305,7 @@
       </p:sp>
       <p:pic>
         <p:nvPicPr>
-          <p:cNvPr id="200" name="Google Shape;200;p19"/>
+          <p:cNvPr id="207" name="Google Shape;207;p20"/>
           <p:cNvPicPr preferRelativeResize="0"/>
           <p:nvPr/>
         </p:nvPicPr>
@@ -14716,7 +15333,7 @@
       </p:pic>
       <p:pic>
         <p:nvPicPr>
-          <p:cNvPr id="201" name="Google Shape;201;p19"/>
+          <p:cNvPr id="208" name="Google Shape;208;p20"/>
           <p:cNvPicPr preferRelativeResize="0"/>
           <p:nvPr/>
         </p:nvPicPr>
@@ -14744,7 +15361,7 @@
       </p:pic>
       <p:pic>
         <p:nvPicPr>
-          <p:cNvPr id="202" name="Google Shape;202;p19"/>
+          <p:cNvPr id="209" name="Google Shape;209;p20"/>
           <p:cNvPicPr preferRelativeResize="0"/>
           <p:nvPr/>
         </p:nvPicPr>
@@ -14772,7 +15389,7 @@
       </p:pic>
       <p:pic>
         <p:nvPicPr>
-          <p:cNvPr id="203" name="Google Shape;203;p19"/>
+          <p:cNvPr id="210" name="Google Shape;210;p20"/>
           <p:cNvPicPr preferRelativeResize="0"/>
           <p:nvPr/>
         </p:nvPicPr>
@@ -14800,7 +15417,7 @@
       </p:pic>
       <p:cxnSp>
         <p:nvCxnSpPr>
-          <p:cNvPr id="204" name="Google Shape;204;p19"/>
+          <p:cNvPr id="211" name="Google Shape;211;p20"/>
           <p:cNvCxnSpPr/>
           <p:nvPr/>
         </p:nvCxnSpPr>
@@ -14826,7 +15443,7 @@
       </p:cxnSp>
       <p:sp>
         <p:nvSpPr>
-          <p:cNvPr id="205" name="Google Shape;205;p19"/>
+          <p:cNvPr id="212" name="Google Shape;212;p20"/>
           <p:cNvSpPr/>
           <p:nvPr/>
         </p:nvSpPr>
@@ -14937,7 +15554,7 @@
       </p:sp>
       <p:sp>
         <p:nvSpPr>
-          <p:cNvPr id="206" name="Google Shape;206;p19"/>
+          <p:cNvPr id="213" name="Google Shape;213;p20"/>
           <p:cNvSpPr/>
           <p:nvPr/>
         </p:nvSpPr>
@@ -14991,7 +15608,7 @@
       </p:sp>
       <p:sp>
         <p:nvSpPr>
-          <p:cNvPr id="207" name="Google Shape;207;p19"/>
+          <p:cNvPr id="214" name="Google Shape;214;p20"/>
           <p:cNvSpPr/>
           <p:nvPr/>
         </p:nvSpPr>
@@ -15102,7 +15719,7 @@
       </p:sp>
       <p:cxnSp>
         <p:nvCxnSpPr>
-          <p:cNvPr id="208" name="Google Shape;208;p19"/>
+          <p:cNvPr id="215" name="Google Shape;215;p20"/>
           <p:cNvCxnSpPr/>
           <p:nvPr/>
         </p:nvCxnSpPr>
@@ -15128,7 +15745,7 @@
       </p:cxnSp>
       <p:sp>
         <p:nvSpPr>
-          <p:cNvPr id="209" name="Google Shape;209;p19"/>
+          <p:cNvPr id="216" name="Google Shape;216;p20"/>
           <p:cNvSpPr/>
           <p:nvPr/>
         </p:nvSpPr>
@@ -15219,7 +15836,7 @@
                                           </p:stCondLst>
                                         </p:cTn>
                                         <p:tgtEl>
-                                          <p:spTgt spid="200"/>
+                                          <p:spTgt spid="207"/>
                                         </p:tgtEl>
                                         <p:attrNameLst>
                                           <p:attrName>style.visibility</p:attrName>
@@ -15233,7 +15850,7 @@
                                       <p:cBhvr additive="base">
                                         <p:cTn dur="1300"/>
                                         <p:tgtEl>
-                                          <p:spTgt spid="200"/>
+                                          <p:spTgt spid="207"/>
                                         </p:tgtEl>
                                         <p:attrNameLst>
                                           <p:attrName>ppt_w</p:attrName>
@@ -15256,7 +15873,7 @@
                                       <p:cBhvr additive="base">
                                         <p:cTn dur="1300"/>
                                         <p:tgtEl>
-                                          <p:spTgt spid="200"/>
+                                          <p:spTgt spid="207"/>
                                         </p:tgtEl>
                                         <p:attrNameLst>
                                           <p:attrName>ppt_h</p:attrName>
@@ -15301,7 +15918,7 @@
                                           </p:stCondLst>
                                         </p:cTn>
                                         <p:tgtEl>
-                                          <p:spTgt spid="201"/>
+                                          <p:spTgt spid="208"/>
                                         </p:tgtEl>
                                         <p:attrNameLst>
                                           <p:attrName>style.visibility</p:attrName>
@@ -15315,7 +15932,7 @@
                                       <p:cBhvr additive="base">
                                         <p:cTn dur="1300"/>
                                         <p:tgtEl>
-                                          <p:spTgt spid="201"/>
+                                          <p:spTgt spid="208"/>
                                         </p:tgtEl>
                                         <p:attrNameLst>
                                           <p:attrName>ppt_w</p:attrName>
@@ -15338,7 +15955,7 @@
                                       <p:cBhvr additive="base">
                                         <p:cTn dur="1300"/>
                                         <p:tgtEl>
-                                          <p:spTgt spid="201"/>
+                                          <p:spTgt spid="208"/>
                                         </p:tgtEl>
                                         <p:attrNameLst>
                                           <p:attrName>ppt_h</p:attrName>
@@ -15383,7 +16000,7 @@
                                           </p:stCondLst>
                                         </p:cTn>
                                         <p:tgtEl>
-                                          <p:spTgt spid="204"/>
+                                          <p:spTgt spid="211"/>
                                         </p:tgtEl>
                                         <p:attrNameLst>
                                           <p:attrName>style.visibility</p:attrName>
@@ -15397,7 +16014,7 @@
                                       <p:cBhvr>
                                         <p:cTn dur="1300"/>
                                         <p:tgtEl>
-                                          <p:spTgt spid="204"/>
+                                          <p:spTgt spid="211"/>
                                         </p:tgtEl>
                                       </p:cBhvr>
                                     </p:animEffect>
@@ -15436,7 +16053,7 @@
                                           </p:stCondLst>
                                         </p:cTn>
                                         <p:tgtEl>
-                                          <p:spTgt spid="205"/>
+                                          <p:spTgt spid="212"/>
                                         </p:tgtEl>
                                         <p:attrNameLst>
                                           <p:attrName>style.visibility</p:attrName>
@@ -15450,7 +16067,7 @@
                                       <p:cBhvr>
                                         <p:cTn dur="1300"/>
                                         <p:tgtEl>
-                                          <p:spTgt spid="205"/>
+                                          <p:spTgt spid="212"/>
                                         </p:tgtEl>
                                       </p:cBhvr>
                                     </p:animEffect>
@@ -15489,7 +16106,7 @@
                                           </p:stCondLst>
                                         </p:cTn>
                                         <p:tgtEl>
-                                          <p:spTgt spid="206"/>
+                                          <p:spTgt spid="213"/>
                                         </p:tgtEl>
                                         <p:attrNameLst>
                                           <p:attrName>style.visibility</p:attrName>
@@ -15503,7 +16120,7 @@
                                       <p:cBhvr>
                                         <p:cTn dur="1300"/>
                                         <p:tgtEl>
-                                          <p:spTgt spid="206"/>
+                                          <p:spTgt spid="213"/>
                                         </p:tgtEl>
                                       </p:cBhvr>
                                     </p:animEffect>
@@ -15542,7 +16159,7 @@
                                           </p:stCondLst>
                                         </p:cTn>
                                         <p:tgtEl>
-                                          <p:spTgt spid="202"/>
+                                          <p:spTgt spid="209"/>
                                         </p:tgtEl>
                                         <p:attrNameLst>
                                           <p:attrName>style.visibility</p:attrName>
@@ -15556,7 +16173,7 @@
                                       <p:cBhvr additive="base">
                                         <p:cTn dur="1300"/>
                                         <p:tgtEl>
-                                          <p:spTgt spid="202"/>
+                                          <p:spTgt spid="209"/>
                                         </p:tgtEl>
                                         <p:attrNameLst>
                                           <p:attrName>ppt_w</p:attrName>
@@ -15579,7 +16196,7 @@
                                       <p:cBhvr additive="base">
                                         <p:cTn dur="1300"/>
                                         <p:tgtEl>
-                                          <p:spTgt spid="202"/>
+                                          <p:spTgt spid="209"/>
                                         </p:tgtEl>
                                         <p:attrNameLst>
                                           <p:attrName>ppt_h</p:attrName>
@@ -15624,7 +16241,7 @@
                                           </p:stCondLst>
                                         </p:cTn>
                                         <p:tgtEl>
-                                          <p:spTgt spid="203"/>
+                                          <p:spTgt spid="210"/>
                                         </p:tgtEl>
                                         <p:attrNameLst>
                                           <p:attrName>style.visibility</p:attrName>
@@ -15638,7 +16255,7 @@
                                       <p:cBhvr additive="base">
                                         <p:cTn dur="1300"/>
                                         <p:tgtEl>
-                                          <p:spTgt spid="203"/>
+                                          <p:spTgt spid="210"/>
                                         </p:tgtEl>
                                         <p:attrNameLst>
                                           <p:attrName>ppt_w</p:attrName>
@@ -15661,7 +16278,7 @@
                                       <p:cBhvr additive="base">
                                         <p:cTn dur="1300"/>
                                         <p:tgtEl>
-                                          <p:spTgt spid="203"/>
+                                          <p:spTgt spid="210"/>
                                         </p:tgtEl>
                                         <p:attrNameLst>
                                           <p:attrName>ppt_h</p:attrName>
@@ -15706,7 +16323,7 @@
                                           </p:stCondLst>
                                         </p:cTn>
                                         <p:tgtEl>
-                                          <p:spTgt spid="208"/>
+                                          <p:spTgt spid="215"/>
                                         </p:tgtEl>
                                         <p:attrNameLst>
                                           <p:attrName>style.visibility</p:attrName>
@@ -15720,7 +16337,7 @@
                                       <p:cBhvr>
                                         <p:cTn dur="1300"/>
                                         <p:tgtEl>
-                                          <p:spTgt spid="208"/>
+                                          <p:spTgt spid="215"/>
                                         </p:tgtEl>
                                       </p:cBhvr>
                                     </p:animEffect>
@@ -15759,7 +16376,7 @@
                                           </p:stCondLst>
                                         </p:cTn>
                                         <p:tgtEl>
-                                          <p:spTgt spid="207"/>
+                                          <p:spTgt spid="214"/>
                                         </p:tgtEl>
                                         <p:attrNameLst>
                                           <p:attrName>style.visibility</p:attrName>
@@ -15773,7 +16390,7 @@
                                       <p:cBhvr>
                                         <p:cTn dur="1300"/>
                                         <p:tgtEl>
-                                          <p:spTgt spid="207"/>
+                                          <p:spTgt spid="214"/>
                                         </p:tgtEl>
                                       </p:cBhvr>
                                     </p:animEffect>
@@ -15812,7 +16429,7 @@
                                           </p:stCondLst>
                                         </p:cTn>
                                         <p:tgtEl>
-                                          <p:spTgt spid="209"/>
+                                          <p:spTgt spid="216"/>
                                         </p:tgtEl>
                                         <p:attrNameLst>
                                           <p:attrName>style.visibility</p:attrName>
@@ -15826,7 +16443,7 @@
                                       <p:cBhvr>
                                         <p:cTn dur="1300"/>
                                         <p:tgtEl>
-                                          <p:spTgt spid="209"/>
+                                          <p:spTgt spid="216"/>
                                         </p:tgtEl>
                                       </p:cBhvr>
                                     </p:animEffect>
@@ -15864,12 +16481,12 @@
 </p:sld>
 </file>
 
-<file path=ppt/slides/slide8.xml><?xml version="1.0" encoding="utf-8"?>
+<file path=ppt/slides/slide9.xml><?xml version="1.0" encoding="utf-8"?>
 <p:sld xmlns:a="http://schemas.openxmlformats.org/drawingml/2006/main" xmlns:r="http://schemas.openxmlformats.org/officeDocument/2006/relationships" xmlns:mc="http://schemas.openxmlformats.org/markup-compatibility/2006" xmlns:mv="urn:schemas-microsoft-com:mac:vml" xmlns:p="http://schemas.openxmlformats.org/presentationml/2006/main" xmlns:c="http://schemas.openxmlformats.org/drawingml/2006/chart" xmlns:dgm="http://schemas.openxmlformats.org/drawingml/2006/diagram" xmlns:o="urn:schemas-microsoft-com:office:office" xmlns:v="urn:schemas-microsoft-com:vml" xmlns:pvml="urn:schemas-microsoft-com:office:powerpoint" xmlns:com="http://schemas.openxmlformats.org/drawingml/2006/compatibility" xmlns:p14="http://schemas.microsoft.com/office/powerpoint/2010/main" xmlns:p15="http://schemas.microsoft.com/office/powerpoint/2012/main" xmlns:ahyp="http://schemas.microsoft.com/office/drawing/2018/hyperlinkcolor">
   <p:cSld>
     <p:spTree>
       <p:nvGrpSpPr>
-        <p:cNvPr id="213" name="Shape 213"/>
+        <p:cNvPr id="220" name="Shape 220"/>
         <p:cNvGrpSpPr/>
         <p:nvPr/>
       </p:nvGrpSpPr>
@@ -15883,7 +16500,7 @@
       </p:grpSpPr>
       <p:sp>
         <p:nvSpPr>
-          <p:cNvPr id="214" name="Google Shape;214;p20"/>
+          <p:cNvPr id="221" name="Google Shape;221;p21"/>
           <p:cNvSpPr txBox="1"/>
           <p:nvPr>
             <p:ph type="title"/>
@@ -15923,7 +16540,7 @@
       </p:sp>
       <p:sp>
         <p:nvSpPr>
-          <p:cNvPr id="215" name="Google Shape;215;p20"/>
+          <p:cNvPr id="222" name="Google Shape;222;p21"/>
           <p:cNvSpPr txBox="1"/>
           <p:nvPr>
             <p:ph idx="1" type="body"/>
@@ -16137,184 +16754,286 @@
 </p:sld>
 </file>
 
-<file path=ppt/slides/slide9.xml><?xml version="1.0" encoding="utf-8"?>
-<p:sld xmlns:a="http://schemas.openxmlformats.org/drawingml/2006/main" xmlns:r="http://schemas.openxmlformats.org/officeDocument/2006/relationships" xmlns:mc="http://schemas.openxmlformats.org/markup-compatibility/2006" xmlns:mv="urn:schemas-microsoft-com:mac:vml" xmlns:p="http://schemas.openxmlformats.org/presentationml/2006/main" xmlns:c="http://schemas.openxmlformats.org/drawingml/2006/chart" xmlns:dgm="http://schemas.openxmlformats.org/drawingml/2006/diagram" xmlns:o="urn:schemas-microsoft-com:office:office" xmlns:v="urn:schemas-microsoft-com:vml" xmlns:pvml="urn:schemas-microsoft-com:office:powerpoint" xmlns:com="http://schemas.openxmlformats.org/drawingml/2006/compatibility" xmlns:p14="http://schemas.microsoft.com/office/powerpoint/2010/main" xmlns:p15="http://schemas.microsoft.com/office/powerpoint/2012/main" xmlns:ahyp="http://schemas.microsoft.com/office/drawing/2018/hyperlinkcolor">
-  <p:cSld>
-    <p:spTree>
-      <p:nvGrpSpPr>
-        <p:cNvPr id="219" name="Shape 219"/>
-        <p:cNvGrpSpPr/>
-        <p:nvPr/>
-      </p:nvGrpSpPr>
-      <p:grpSpPr>
-        <a:xfrm>
-          <a:off x="0" y="0"/>
-          <a:ext cx="0" cy="0"/>
-          <a:chOff x="0" y="0"/>
-          <a:chExt cx="0" cy="0"/>
-        </a:xfrm>
-      </p:grpSpPr>
-      <p:sp>
-        <p:nvSpPr>
-          <p:cNvPr id="220" name="Google Shape;220;p21"/>
-          <p:cNvSpPr txBox="1"/>
-          <p:nvPr>
-            <p:ph type="title"/>
-          </p:nvPr>
-        </p:nvSpPr>
-        <p:spPr>
-          <a:xfrm>
-            <a:off x="819150" y="845600"/>
-            <a:ext cx="7505700" cy="954600"/>
-          </a:xfrm>
-          <a:prstGeom prst="rect">
-            <a:avLst/>
-          </a:prstGeom>
-        </p:spPr>
-        <p:txBody>
-          <a:bodyPr anchorCtr="0" anchor="t" bIns="91425" lIns="91425" spcFirstLastPara="1" rIns="91425" wrap="square" tIns="91425">
-            <a:normAutofit fontScale="90000"/>
-          </a:bodyPr>
-          <a:lstStyle/>
-          <a:p>
-            <a:pPr indent="0" lvl="0" marL="0" rtl="0" algn="l">
-              <a:spcBef>
-                <a:spcPts val="0"/>
-              </a:spcBef>
-              <a:spcAft>
-                <a:spcPts val="0"/>
-              </a:spcAft>
-              <a:buNone/>
-            </a:pPr>
-            <a:r>
-              <a:rPr lang="en"/>
-              <a:t>చిట్కా: బొమ్మల ద్వారా, అభినయంద్వారా, వ్యక్తీకరణద్వారా, సంస్కృత భాషను నేర్చుకోండి  </a:t>
-            </a:r>
-            <a:endParaRPr/>
-          </a:p>
-        </p:txBody>
-      </p:sp>
-      <p:sp>
-        <p:nvSpPr>
-          <p:cNvPr id="221" name="Google Shape;221;p21"/>
-          <p:cNvSpPr/>
-          <p:nvPr/>
-        </p:nvSpPr>
-        <p:spPr>
-          <a:xfrm>
-            <a:off x="819150" y="1990725"/>
-            <a:ext cx="7450371" cy="1218601"/>
-          </a:xfrm>
-          <a:prstGeom prst="rect">
-            <a:avLst/>
-          </a:prstGeom>
-        </p:spPr>
-        <p:txBody>
-          <a:bodyPr>
-            <a:prstTxWarp prst="textPlain"/>
-          </a:bodyPr>
-          <a:lstStyle/>
-          <a:p>
-            <a:pPr lvl="0" algn="ctr"/>
-            <a:r>
-              <a:rPr b="0" i="0">
-                <a:ln cap="flat" cmpd="sng" w="9525">
-                  <a:solidFill>
-                    <a:schemeClr val="dk2"/>
-                  </a:solidFill>
-                  <a:prstDash val="solid"/>
-                  <a:round/>
-                  <a:headEnd len="sm" w="sm" type="none"/>
-                  <a:tailEnd len="sm" w="sm" type="none"/>
-                </a:ln>
-                <a:gradFill>
-                  <a:gsLst>
-                    <a:gs pos="0">
-                      <a:srgbClr val="F5D0D0"/>
-                    </a:gs>
-                    <a:gs pos="100000">
-                      <a:srgbClr val="D96868"/>
-                    </a:gs>
-                  </a:gsLst>
-                  <a:path path="circle">
-                    <a:fillToRect b="50%" l="50%" r="50%" t="50%"/>
-                  </a:path>
-                  <a:tileRect/>
-                </a:gradFill>
-                <a:latin typeface="Arial"/>
-              </a:rPr>
-              <a:t>धन्यवाद:</a:t>
-            </a:r>
-          </a:p>
-        </p:txBody>
-      </p:sp>
-      <p:sp>
-        <p:nvSpPr>
-          <p:cNvPr id="222" name="Google Shape;222;p21"/>
-          <p:cNvSpPr txBox="1"/>
-          <p:nvPr/>
-        </p:nvSpPr>
-        <p:spPr>
-          <a:xfrm>
-            <a:off x="213725" y="4514050"/>
-            <a:ext cx="6775800" cy="384900"/>
-          </a:xfrm>
-          <a:prstGeom prst="rect">
-            <a:avLst/>
-          </a:prstGeom>
-          <a:noFill/>
-          <a:ln>
-            <a:noFill/>
-          </a:ln>
-        </p:spPr>
-        <p:txBody>
-          <a:bodyPr anchorCtr="0" anchor="t" bIns="91425" lIns="91425" spcFirstLastPara="1" rIns="91425" wrap="square" tIns="91425">
-            <a:spAutoFit/>
-          </a:bodyPr>
-          <a:lstStyle/>
-          <a:p>
-            <a:pPr indent="0" lvl="0" marL="0" rtl="0" algn="l">
-              <a:spcBef>
-                <a:spcPts val="0"/>
-              </a:spcBef>
-              <a:spcAft>
-                <a:spcPts val="0"/>
-              </a:spcAft>
-              <a:buNone/>
-            </a:pPr>
-            <a:r>
-              <a:rPr lang="en" sz="1300">
-                <a:solidFill>
-                  <a:schemeClr val="dk2"/>
-                </a:solidFill>
-                <a:latin typeface="Calibri"/>
-                <a:ea typeface="Calibri"/>
-                <a:cs typeface="Calibri"/>
-                <a:sym typeface="Calibri"/>
-              </a:rPr>
-              <a:t>Picture source: PixaBay and pexels. Content Source: Abhyasapustakam, SamskritaBharati</a:t>
-            </a:r>
-            <a:endParaRPr sz="1300">
-              <a:solidFill>
-                <a:schemeClr val="dk2"/>
-              </a:solidFill>
-              <a:latin typeface="Calibri"/>
-              <a:ea typeface="Calibri"/>
-              <a:cs typeface="Calibri"/>
-              <a:sym typeface="Calibri"/>
-            </a:endParaRPr>
-          </a:p>
-        </p:txBody>
-      </p:sp>
-    </p:spTree>
-  </p:cSld>
-  <p:clrMapOvr>
-    <a:masterClrMapping/>
-  </p:clrMapOvr>
-</p:sld>
+<file path=ppt/theme/theme1.xml><?xml version="1.0" encoding="utf-8"?>
+<a:theme xmlns:a="http://schemas.openxmlformats.org/drawingml/2006/main" xmlns:r="http://schemas.openxmlformats.org/officeDocument/2006/relationships">
+  <a:themeElements>
+    <a:clrScheme name="Default">
+      <a:dk1>
+        <a:srgbClr val="000000"/>
+      </a:dk1>
+      <a:lt1>
+        <a:srgbClr val="FFFFFF"/>
+      </a:lt1>
+      <a:dk2>
+        <a:srgbClr val="158158"/>
+      </a:dk2>
+      <a:lt2>
+        <a:srgbClr val="F3F3F3"/>
+      </a:lt2>
+      <a:accent1>
+        <a:srgbClr val="058DC7"/>
+      </a:accent1>
+      <a:accent2>
+        <a:srgbClr val="50B432"/>
+      </a:accent2>
+      <a:accent3>
+        <a:srgbClr val="ED561B"/>
+      </a:accent3>
+      <a:accent4>
+        <a:srgbClr val="EDEF00"/>
+      </a:accent4>
+      <a:accent5>
+        <a:srgbClr val="24CBE5"/>
+      </a:accent5>
+      <a:accent6>
+        <a:srgbClr val="64E572"/>
+      </a:accent6>
+      <a:hlink>
+        <a:srgbClr val="2200CC"/>
+      </a:hlink>
+      <a:folHlink>
+        <a:srgbClr val="551A8B"/>
+      </a:folHlink>
+    </a:clrScheme>
+    <a:fontScheme name="Office">
+      <a:majorFont>
+        <a:latin typeface="Arial"/>
+        <a:ea typeface=""/>
+        <a:cs typeface=""/>
+        <a:font script="Jpan" typeface="ＭＳ Ｐゴシック"/>
+        <a:font script="Hang" typeface="맑은 고딕"/>
+        <a:font script="Hans" typeface="宋体"/>
+        <a:font script="Hant" typeface="新細明體"/>
+        <a:font script="Arab" typeface="Times New Roman"/>
+        <a:font script="Hebr" typeface="Times New Roman"/>
+        <a:font script="Thai" typeface="Angsana New"/>
+        <a:font script="Ethi" typeface="Nyala"/>
+        <a:font script="Beng" typeface="Vrinda"/>
+        <a:font script="Gujr" typeface="Shruti"/>
+        <a:font script="Khmr" typeface="MoolBoran"/>
+        <a:font script="Knda" typeface="Tunga"/>
+        <a:font script="Guru" typeface="Raavi"/>
+        <a:font script="Cans" typeface="Euphemia"/>
+        <a:font script="Cher" typeface="Plantagenet Cherokee"/>
+        <a:font script="Yiii" typeface="Microsoft Yi Baiti"/>
+        <a:font script="Tibt" typeface="Microsoft Himalaya"/>
+        <a:font script="Thaa" typeface="MV Boli"/>
+        <a:font script="Deva" typeface="Mangal"/>
+        <a:font script="Telu" typeface="Gautami"/>
+        <a:font script="Taml" typeface="Latha"/>
+        <a:font script="Syrc" typeface="Estrangelo Edessa"/>
+        <a:font script="Orya" typeface="Kalinga"/>
+        <a:font script="Mlym" typeface="Kartika"/>
+        <a:font script="Laoo" typeface="DokChampa"/>
+        <a:font script="Sinh" typeface="Iskoola Pota"/>
+        <a:font script="Mong" typeface="Mongolian Baiti"/>
+        <a:font script="Viet" typeface="Times New Roman"/>
+        <a:font script="Uigh" typeface="Microsoft Uighur"/>
+        <a:font script="Geor" typeface="Sylfaen"/>
+      </a:majorFont>
+      <a:minorFont>
+        <a:latin typeface="Arial"/>
+        <a:ea typeface=""/>
+        <a:cs typeface=""/>
+        <a:font script="Jpan" typeface="ＭＳ Ｐゴシック"/>
+        <a:font script="Hang" typeface="맑은 고딕"/>
+        <a:font script="Hans" typeface="宋体"/>
+        <a:font script="Hant" typeface="新細明體"/>
+        <a:font script="Arab" typeface="Arial"/>
+        <a:font script="Hebr" typeface="Arial"/>
+        <a:font script="Thai" typeface="Cordia New"/>
+        <a:font script="Ethi" typeface="Nyala"/>
+        <a:font script="Beng" typeface="Vrinda"/>
+        <a:font script="Gujr" typeface="Shruti"/>
+        <a:font script="Khmr" typeface="DaunPenh"/>
+        <a:font script="Knda" typeface="Tunga"/>
+        <a:font script="Guru" typeface="Raavi"/>
+        <a:font script="Cans" typeface="Euphemia"/>
+        <a:font script="Cher" typeface="Plantagenet Cherokee"/>
+        <a:font script="Yiii" typeface="Microsoft Yi Baiti"/>
+        <a:font script="Tibt" typeface="Microsoft Himalaya"/>
+        <a:font script="Thaa" typeface="MV Boli"/>
+        <a:font script="Deva" typeface="Mangal"/>
+        <a:font script="Telu" typeface="Gautami"/>
+        <a:font script="Taml" typeface="Latha"/>
+        <a:font script="Syrc" typeface="Estrangelo Edessa"/>
+        <a:font script="Orya" typeface="Kalinga"/>
+        <a:font script="Mlym" typeface="Kartika"/>
+        <a:font script="Laoo" typeface="DokChampa"/>
+        <a:font script="Sinh" typeface="Iskoola Pota"/>
+        <a:font script="Mong" typeface="Mongolian Baiti"/>
+        <a:font script="Viet" typeface="Arial"/>
+        <a:font script="Uigh" typeface="Microsoft Uighur"/>
+        <a:font script="Geor" typeface="Sylfaen"/>
+      </a:minorFont>
+    </a:fontScheme>
+    <a:fmtScheme name="Office">
+      <a:fillStyleLst>
+        <a:solidFill>
+          <a:schemeClr val="phClr"/>
+        </a:solidFill>
+        <a:gradFill rotWithShape="1">
+          <a:gsLst>
+            <a:gs pos="0">
+              <a:schemeClr val="phClr">
+                <a:tint val="50000"/>
+                <a:satMod val="300000"/>
+              </a:schemeClr>
+            </a:gs>
+            <a:gs pos="35000">
+              <a:schemeClr val="phClr">
+                <a:tint val="37000"/>
+                <a:satMod val="300000"/>
+              </a:schemeClr>
+            </a:gs>
+            <a:gs pos="100000">
+              <a:schemeClr val="phClr">
+                <a:tint val="15000"/>
+                <a:satMod val="350000"/>
+              </a:schemeClr>
+            </a:gs>
+          </a:gsLst>
+          <a:lin ang="16200000" scaled="1"/>
+        </a:gradFill>
+        <a:gradFill rotWithShape="1">
+          <a:gsLst>
+            <a:gs pos="0">
+              <a:schemeClr val="phClr">
+                <a:tint val="100000"/>
+                <a:shade val="100000"/>
+                <a:satMod val="130000"/>
+              </a:schemeClr>
+            </a:gs>
+            <a:gs pos="100000">
+              <a:schemeClr val="phClr">
+                <a:tint val="50000"/>
+                <a:shade val="100000"/>
+                <a:satMod val="350000"/>
+              </a:schemeClr>
+            </a:gs>
+          </a:gsLst>
+          <a:lin ang="16200000" scaled="0"/>
+        </a:gradFill>
+      </a:fillStyleLst>
+      <a:lnStyleLst>
+        <a:ln w="9525" cap="flat" cmpd="sng" algn="ctr">
+          <a:solidFill>
+            <a:schemeClr val="phClr">
+              <a:shade val="95000"/>
+              <a:satMod val="105000"/>
+            </a:schemeClr>
+          </a:solidFill>
+          <a:prstDash val="solid"/>
+        </a:ln>
+        <a:ln w="25400" cap="flat" cmpd="sng" algn="ctr">
+          <a:solidFill>
+            <a:schemeClr val="phClr"/>
+          </a:solidFill>
+          <a:prstDash val="solid"/>
+        </a:ln>
+        <a:ln w="38100" cap="flat" cmpd="sng" algn="ctr">
+          <a:solidFill>
+            <a:schemeClr val="phClr"/>
+          </a:solidFill>
+          <a:prstDash val="solid"/>
+        </a:ln>
+      </a:lnStyleLst>
+      <a:effectStyleLst>
+        <a:effectStyle>
+          <a:effectLst>
+            <a:outerShdw blurRad="40000" dist="20000" dir="5400000" rotWithShape="0">
+              <a:srgbClr val="000000">
+                <a:alpha val="38000"/>
+              </a:srgbClr>
+            </a:outerShdw>
+          </a:effectLst>
+        </a:effectStyle>
+        <a:effectStyle>
+          <a:effectLst>
+            <a:outerShdw blurRad="40000" dist="23000" dir="5400000" rotWithShape="0">
+              <a:srgbClr val="000000">
+                <a:alpha val="35000"/>
+              </a:srgbClr>
+            </a:outerShdw>
+          </a:effectLst>
+        </a:effectStyle>
+        <a:effectStyle>
+          <a:effectLst>
+            <a:outerShdw blurRad="40000" dist="23000" dir="5400000" rotWithShape="0">
+              <a:srgbClr val="000000">
+                <a:alpha val="35000"/>
+              </a:srgbClr>
+            </a:outerShdw>
+          </a:effectLst>
+          <a:scene3d>
+            <a:camera prst="orthographicFront">
+              <a:rot lat="0" lon="0" rev="0"/>
+            </a:camera>
+            <a:lightRig rig="threePt" dir="t">
+              <a:rot lat="0" lon="0" rev="1200000"/>
+            </a:lightRig>
+          </a:scene3d>
+          <a:sp3d>
+            <a:bevelT w="63500" h="25400"/>
+          </a:sp3d>
+        </a:effectStyle>
+      </a:effectStyleLst>
+      <a:bgFillStyleLst>
+        <a:solidFill>
+          <a:schemeClr val="phClr"/>
+        </a:solidFill>
+        <a:gradFill rotWithShape="1">
+          <a:gsLst>
+            <a:gs pos="0">
+              <a:schemeClr val="phClr">
+                <a:tint val="40000"/>
+                <a:satMod val="350000"/>
+              </a:schemeClr>
+            </a:gs>
+            <a:gs pos="40000">
+              <a:schemeClr val="phClr">
+                <a:tint val="45000"/>
+                <a:shade val="99000"/>
+                <a:satMod val="350000"/>
+              </a:schemeClr>
+            </a:gs>
+            <a:gs pos="100000">
+              <a:schemeClr val="phClr">
+                <a:shade val="20000"/>
+                <a:satMod val="255000"/>
+              </a:schemeClr>
+            </a:gs>
+          </a:gsLst>
+          <a:path path="circle">
+            <a:fillToRect l="50000" t="-80000" r="50000" b="180000"/>
+          </a:path>
+        </a:gradFill>
+        <a:gradFill rotWithShape="1">
+          <a:gsLst>
+            <a:gs pos="0">
+              <a:schemeClr val="phClr">
+                <a:tint val="80000"/>
+                <a:satMod val="300000"/>
+              </a:schemeClr>
+            </a:gs>
+            <a:gs pos="100000">
+              <a:schemeClr val="phClr">
+                <a:shade val="30000"/>
+                <a:satMod val="200000"/>
+              </a:schemeClr>
+            </a:gs>
+          </a:gsLst>
+          <a:path path="circle">
+            <a:fillToRect l="50000" t="50000" r="50000" b="50000"/>
+          </a:path>
+        </a:gradFill>
+      </a:bgFillStyleLst>
+    </a:fmtScheme>
+  </a:themeElements>
+</a:theme>
 </file>
 
-<file path=ppt/theme/theme1.xml><?xml version="1.0" encoding="utf-8"?>
+<file path=ppt/theme/theme2.xml><?xml version="1.0" encoding="utf-8"?>
 <a:theme xmlns:a="http://schemas.openxmlformats.org/drawingml/2006/main" xmlns:r="http://schemas.openxmlformats.org/officeDocument/2006/relationships" name="Shift">
   <a:themeElements>
     <a:clrScheme name="Shift">
@@ -16591,283 +17310,4 @@
     </a:fmtScheme>
   </a:themeElements>
 </a:theme>
-</file>
-
-<file path=ppt/theme/theme2.xml><?xml version="1.0" encoding="utf-8"?>
-<a:theme xmlns:a="http://schemas.openxmlformats.org/drawingml/2006/main" xmlns:r="http://schemas.openxmlformats.org/officeDocument/2006/relationships">
-  <a:themeElements>
-    <a:clrScheme name="Default">
-      <a:dk1>
-        <a:srgbClr val="000000"/>
-      </a:dk1>
-      <a:lt1>
-        <a:srgbClr val="FFFFFF"/>
-      </a:lt1>
-      <a:dk2>
-        <a:srgbClr val="158158"/>
-      </a:dk2>
-      <a:lt2>
-        <a:srgbClr val="F3F3F3"/>
-      </a:lt2>
-      <a:accent1>
-        <a:srgbClr val="058DC7"/>
-      </a:accent1>
-      <a:accent2>
-        <a:srgbClr val="50B432"/>
-      </a:accent2>
-      <a:accent3>
-        <a:srgbClr val="ED561B"/>
-      </a:accent3>
-      <a:accent4>
-        <a:srgbClr val="EDEF00"/>
-      </a:accent4>
-      <a:accent5>
-        <a:srgbClr val="24CBE5"/>
-      </a:accent5>
-      <a:accent6>
-        <a:srgbClr val="64E572"/>
-      </a:accent6>
-      <a:hlink>
-        <a:srgbClr val="2200CC"/>
-      </a:hlink>
-      <a:folHlink>
-        <a:srgbClr val="551A8B"/>
-      </a:folHlink>
-    </a:clrScheme>
-    <a:fontScheme name="Office">
-      <a:majorFont>
-        <a:latin typeface="Arial"/>
-        <a:ea typeface=""/>
-        <a:cs typeface=""/>
-        <a:font script="Jpan" typeface="ＭＳ Ｐゴシック"/>
-        <a:font script="Hang" typeface="맑은 고딕"/>
-        <a:font script="Hans" typeface="宋体"/>
-        <a:font script="Hant" typeface="新細明體"/>
-        <a:font script="Arab" typeface="Times New Roman"/>
-        <a:font script="Hebr" typeface="Times New Roman"/>
-        <a:font script="Thai" typeface="Angsana New"/>
-        <a:font script="Ethi" typeface="Nyala"/>
-        <a:font script="Beng" typeface="Vrinda"/>
-        <a:font script="Gujr" typeface="Shruti"/>
-        <a:font script="Khmr" typeface="MoolBoran"/>
-        <a:font script="Knda" typeface="Tunga"/>
-        <a:font script="Guru" typeface="Raavi"/>
-        <a:font script="Cans" typeface="Euphemia"/>
-        <a:font script="Cher" typeface="Plantagenet Cherokee"/>
-        <a:font script="Yiii" typeface="Microsoft Yi Baiti"/>
-        <a:font script="Tibt" typeface="Microsoft Himalaya"/>
-        <a:font script="Thaa" typeface="MV Boli"/>
-        <a:font script="Deva" typeface="Mangal"/>
-        <a:font script="Telu" typeface="Gautami"/>
-        <a:font script="Taml" typeface="Latha"/>
-        <a:font script="Syrc" typeface="Estrangelo Edessa"/>
-        <a:font script="Orya" typeface="Kalinga"/>
-        <a:font script="Mlym" typeface="Kartika"/>
-        <a:font script="Laoo" typeface="DokChampa"/>
-        <a:font script="Sinh" typeface="Iskoola Pota"/>
-        <a:font script="Mong" typeface="Mongolian Baiti"/>
-        <a:font script="Viet" typeface="Times New Roman"/>
-        <a:font script="Uigh" typeface="Microsoft Uighur"/>
-        <a:font script="Geor" typeface="Sylfaen"/>
-      </a:majorFont>
-      <a:minorFont>
-        <a:latin typeface="Arial"/>
-        <a:ea typeface=""/>
-        <a:cs typeface=""/>
-        <a:font script="Jpan" typeface="ＭＳ Ｐゴシック"/>
-        <a:font script="Hang" typeface="맑은 고딕"/>
-        <a:font script="Hans" typeface="宋体"/>
-        <a:font script="Hant" typeface="新細明體"/>
-        <a:font script="Arab" typeface="Arial"/>
-        <a:font script="Hebr" typeface="Arial"/>
-        <a:font script="Thai" typeface="Cordia New"/>
-        <a:font script="Ethi" typeface="Nyala"/>
-        <a:font script="Beng" typeface="Vrinda"/>
-        <a:font script="Gujr" typeface="Shruti"/>
-        <a:font script="Khmr" typeface="DaunPenh"/>
-        <a:font script="Knda" typeface="Tunga"/>
-        <a:font script="Guru" typeface="Raavi"/>
-        <a:font script="Cans" typeface="Euphemia"/>
-        <a:font script="Cher" typeface="Plantagenet Cherokee"/>
-        <a:font script="Yiii" typeface="Microsoft Yi Baiti"/>
-        <a:font script="Tibt" typeface="Microsoft Himalaya"/>
-        <a:font script="Thaa" typeface="MV Boli"/>
-        <a:font script="Deva" typeface="Mangal"/>
-        <a:font script="Telu" typeface="Gautami"/>
-        <a:font script="Taml" typeface="Latha"/>
-        <a:font script="Syrc" typeface="Estrangelo Edessa"/>
-        <a:font script="Orya" typeface="Kalinga"/>
-        <a:font script="Mlym" typeface="Kartika"/>
-        <a:font script="Laoo" typeface="DokChampa"/>
-        <a:font script="Sinh" typeface="Iskoola Pota"/>
-        <a:font script="Mong" typeface="Mongolian Baiti"/>
-        <a:font script="Viet" typeface="Arial"/>
-        <a:font script="Uigh" typeface="Microsoft Uighur"/>
-        <a:font script="Geor" typeface="Sylfaen"/>
-      </a:minorFont>
-    </a:fontScheme>
-    <a:fmtScheme name="Office">
-      <a:fillStyleLst>
-        <a:solidFill>
-          <a:schemeClr val="phClr"/>
-        </a:solidFill>
-        <a:gradFill rotWithShape="1">
-          <a:gsLst>
-            <a:gs pos="0">
-              <a:schemeClr val="phClr">
-                <a:tint val="50000"/>
-                <a:satMod val="300000"/>
-              </a:schemeClr>
-            </a:gs>
-            <a:gs pos="35000">
-              <a:schemeClr val="phClr">
-                <a:tint val="37000"/>
-                <a:satMod val="300000"/>
-              </a:schemeClr>
-            </a:gs>
-            <a:gs pos="100000">
-              <a:schemeClr val="phClr">
-                <a:tint val="15000"/>
-                <a:satMod val="350000"/>
-              </a:schemeClr>
-            </a:gs>
-          </a:gsLst>
-          <a:lin ang="16200000" scaled="1"/>
-        </a:gradFill>
-        <a:gradFill rotWithShape="1">
-          <a:gsLst>
-            <a:gs pos="0">
-              <a:schemeClr val="phClr">
-                <a:tint val="100000"/>
-                <a:shade val="100000"/>
-                <a:satMod val="130000"/>
-              </a:schemeClr>
-            </a:gs>
-            <a:gs pos="100000">
-              <a:schemeClr val="phClr">
-                <a:tint val="50000"/>
-                <a:shade val="100000"/>
-                <a:satMod val="350000"/>
-              </a:schemeClr>
-            </a:gs>
-          </a:gsLst>
-          <a:lin ang="16200000" scaled="0"/>
-        </a:gradFill>
-      </a:fillStyleLst>
-      <a:lnStyleLst>
-        <a:ln w="9525" cap="flat" cmpd="sng" algn="ctr">
-          <a:solidFill>
-            <a:schemeClr val="phClr">
-              <a:shade val="95000"/>
-              <a:satMod val="105000"/>
-            </a:schemeClr>
-          </a:solidFill>
-          <a:prstDash val="solid"/>
-        </a:ln>
-        <a:ln w="25400" cap="flat" cmpd="sng" algn="ctr">
-          <a:solidFill>
-            <a:schemeClr val="phClr"/>
-          </a:solidFill>
-          <a:prstDash val="solid"/>
-        </a:ln>
-        <a:ln w="38100" cap="flat" cmpd="sng" algn="ctr">
-          <a:solidFill>
-            <a:schemeClr val="phClr"/>
-          </a:solidFill>
-          <a:prstDash val="solid"/>
-        </a:ln>
-      </a:lnStyleLst>
-      <a:effectStyleLst>
-        <a:effectStyle>
-          <a:effectLst>
-            <a:outerShdw blurRad="40000" dist="20000" dir="5400000" rotWithShape="0">
-              <a:srgbClr val="000000">
-                <a:alpha val="38000"/>
-              </a:srgbClr>
-            </a:outerShdw>
-          </a:effectLst>
-        </a:effectStyle>
-        <a:effectStyle>
-          <a:effectLst>
-            <a:outerShdw blurRad="40000" dist="23000" dir="5400000" rotWithShape="0">
-              <a:srgbClr val="000000">
-                <a:alpha val="35000"/>
-              </a:srgbClr>
-            </a:outerShdw>
-          </a:effectLst>
-        </a:effectStyle>
-        <a:effectStyle>
-          <a:effectLst>
-            <a:outerShdw blurRad="40000" dist="23000" dir="5400000" rotWithShape="0">
-              <a:srgbClr val="000000">
-                <a:alpha val="35000"/>
-              </a:srgbClr>
-            </a:outerShdw>
-          </a:effectLst>
-          <a:scene3d>
-            <a:camera prst="orthographicFront">
-              <a:rot lat="0" lon="0" rev="0"/>
-            </a:camera>
-            <a:lightRig rig="threePt" dir="t">
-              <a:rot lat="0" lon="0" rev="1200000"/>
-            </a:lightRig>
-          </a:scene3d>
-          <a:sp3d>
-            <a:bevelT w="63500" h="25400"/>
-          </a:sp3d>
-        </a:effectStyle>
-      </a:effectStyleLst>
-      <a:bgFillStyleLst>
-        <a:solidFill>
-          <a:schemeClr val="phClr"/>
-        </a:solidFill>
-        <a:gradFill rotWithShape="1">
-          <a:gsLst>
-            <a:gs pos="0">
-              <a:schemeClr val="phClr">
-                <a:tint val="40000"/>
-                <a:satMod val="350000"/>
-              </a:schemeClr>
-            </a:gs>
-            <a:gs pos="40000">
-              <a:schemeClr val="phClr">
-                <a:tint val="45000"/>
-                <a:shade val="99000"/>
-                <a:satMod val="350000"/>
-              </a:schemeClr>
-            </a:gs>
-            <a:gs pos="100000">
-              <a:schemeClr val="phClr">
-                <a:shade val="20000"/>
-                <a:satMod val="255000"/>
-              </a:schemeClr>
-            </a:gs>
-          </a:gsLst>
-          <a:path path="circle">
-            <a:fillToRect l="50000" t="-80000" r="50000" b="180000"/>
-          </a:path>
-        </a:gradFill>
-        <a:gradFill rotWithShape="1">
-          <a:gsLst>
-            <a:gs pos="0">
-              <a:schemeClr val="phClr">
-                <a:tint val="80000"/>
-                <a:satMod val="300000"/>
-              </a:schemeClr>
-            </a:gs>
-            <a:gs pos="100000">
-              <a:schemeClr val="phClr">
-                <a:shade val="30000"/>
-                <a:satMod val="200000"/>
-              </a:schemeClr>
-            </a:gs>
-          </a:gsLst>
-          <a:path path="circle">
-            <a:fillToRect l="50000" t="50000" r="50000" b="50000"/>
-          </a:path>
-        </a:gradFill>
-      </a:bgFillStyleLst>
-    </a:fmtScheme>
-  </a:themeElements>
-</a:theme>
 </file>